--- a/flow_meter/2019-06-27.Layout.BROOKSReadout.pptx
+++ b/flow_meter/2019-06-27.Layout.BROOKSReadout.pptx
@@ -2994,1721 +2994,6 @@
           </a:p>
         </p:txBody>
       </p:sp>
-      <p:graphicFrame>
-        <p:nvGraphicFramePr>
-          <p:cNvPr id="6" name="Tabelle 5"/>
-          <p:cNvGraphicFramePr>
-            <a:graphicFrameLocks noGrp="1"/>
-          </p:cNvGraphicFramePr>
-          <p:nvPr>
-            <p:extLst>
-              <p:ext uri="{D42A27DB-BD31-4B8C-83A1-F6EECF244321}">
-                <p14:modId xmlns:p14="http://schemas.microsoft.com/office/powerpoint/2010/main" val="523092095"/>
-              </p:ext>
-            </p:extLst>
-          </p:nvPr>
-        </p:nvGraphicFramePr>
-        <p:xfrm>
-          <a:off x="399186" y="1252898"/>
-          <a:ext cx="2734712" cy="2171700"/>
-        </p:xfrm>
-        <a:graphic>
-          <a:graphicData uri="http://schemas.openxmlformats.org/drawingml/2006/table">
-            <a:tbl>
-              <a:tblPr/>
-              <a:tblGrid>
-                <a:gridCol w="683678">
-                  <a:extLst>
-                    <a:ext uri="{9D8B030D-6E8A-4147-A177-3AD203B41FA5}">
-                      <a16:colId xmlns:a16="http://schemas.microsoft.com/office/drawing/2014/main" val="1695709822"/>
-                    </a:ext>
-                  </a:extLst>
-                </a:gridCol>
-                <a:gridCol w="683678">
-                  <a:extLst>
-                    <a:ext uri="{9D8B030D-6E8A-4147-A177-3AD203B41FA5}">
-                      <a16:colId xmlns:a16="http://schemas.microsoft.com/office/drawing/2014/main" val="1166538720"/>
-                    </a:ext>
-                  </a:extLst>
-                </a:gridCol>
-                <a:gridCol w="683678">
-                  <a:extLst>
-                    <a:ext uri="{9D8B030D-6E8A-4147-A177-3AD203B41FA5}">
-                      <a16:colId xmlns:a16="http://schemas.microsoft.com/office/drawing/2014/main" val="571606511"/>
-                    </a:ext>
-                  </a:extLst>
-                </a:gridCol>
-                <a:gridCol w="683678">
-                  <a:extLst>
-                    <a:ext uri="{9D8B030D-6E8A-4147-A177-3AD203B41FA5}">
-                      <a16:colId xmlns:a16="http://schemas.microsoft.com/office/drawing/2014/main" val="818488689"/>
-                    </a:ext>
-                  </a:extLst>
-                </a:gridCol>
-              </a:tblGrid>
-              <a:tr h="150487">
-                <a:tc>
-                  <a:txBody>
-                    <a:bodyPr/>
-                    <a:lstStyle/>
-                    <a:p>
-                      <a:pPr algn="ctr"/>
-                      <a:r>
-                        <a:rPr lang="de-CH" sz="600" b="1">
-                          <a:effectLst/>
-                        </a:rPr>
-                        <a:t>Number</a:t>
-                      </a:r>
-                    </a:p>
-                  </a:txBody>
-                  <a:tcPr marL="123825" marR="123825" marT="57150" marB="57150" anchor="ctr">
-                    <a:lnL w="9525" cap="flat" cmpd="sng" algn="ctr">
-                      <a:solidFill>
-                        <a:srgbClr val="DFE2E5"/>
-                      </a:solidFill>
-                      <a:prstDash val="solid"/>
-                      <a:round/>
-                      <a:headEnd type="none" w="med" len="med"/>
-                      <a:tailEnd type="none" w="med" len="med"/>
-                    </a:lnL>
-                    <a:lnR w="9525" cap="flat" cmpd="sng" algn="ctr">
-                      <a:solidFill>
-                        <a:srgbClr val="DFE2E5"/>
-                      </a:solidFill>
-                      <a:prstDash val="solid"/>
-                      <a:round/>
-                      <a:headEnd type="none" w="med" len="med"/>
-                      <a:tailEnd type="none" w="med" len="med"/>
-                    </a:lnR>
-                    <a:lnT w="9525" cap="flat" cmpd="sng" algn="ctr">
-                      <a:solidFill>
-                        <a:srgbClr val="DFE2E5"/>
-                      </a:solidFill>
-                      <a:prstDash val="solid"/>
-                      <a:round/>
-                      <a:headEnd type="none" w="med" len="med"/>
-                      <a:tailEnd type="none" w="med" len="med"/>
-                    </a:lnT>
-                    <a:lnB w="9525" cap="flat" cmpd="sng" algn="ctr">
-                      <a:solidFill>
-                        <a:srgbClr val="DFE2E5"/>
-                      </a:solidFill>
-                      <a:prstDash val="solid"/>
-                      <a:round/>
-                      <a:headEnd type="none" w="med" len="med"/>
-                      <a:tailEnd type="none" w="med" len="med"/>
-                    </a:lnB>
-                    <a:solidFill>
-                      <a:srgbClr val="FFFFFF"/>
-                    </a:solidFill>
-                  </a:tcPr>
-                </a:tc>
-                <a:tc>
-                  <a:txBody>
-                    <a:bodyPr/>
-                    <a:lstStyle/>
-                    <a:p>
-                      <a:pPr algn="ctr"/>
-                      <a:r>
-                        <a:rPr lang="de-CH" sz="600" b="1" dirty="0">
-                          <a:effectLst/>
-                        </a:rPr>
-                        <a:t>Color</a:t>
-                      </a:r>
-                    </a:p>
-                  </a:txBody>
-                  <a:tcPr marL="123825" marR="123825" marT="57150" marB="57150" anchor="ctr">
-                    <a:lnL w="9525" cap="flat" cmpd="sng" algn="ctr">
-                      <a:solidFill>
-                        <a:srgbClr val="DFE2E5"/>
-                      </a:solidFill>
-                      <a:prstDash val="solid"/>
-                      <a:round/>
-                      <a:headEnd type="none" w="med" len="med"/>
-                      <a:tailEnd type="none" w="med" len="med"/>
-                    </a:lnL>
-                    <a:lnR w="9525" cap="flat" cmpd="sng" algn="ctr">
-                      <a:solidFill>
-                        <a:srgbClr val="DFE2E5"/>
-                      </a:solidFill>
-                      <a:prstDash val="solid"/>
-                      <a:round/>
-                      <a:headEnd type="none" w="med" len="med"/>
-                      <a:tailEnd type="none" w="med" len="med"/>
-                    </a:lnR>
-                    <a:lnT w="9525" cap="flat" cmpd="sng" algn="ctr">
-                      <a:solidFill>
-                        <a:srgbClr val="DFE2E5"/>
-                      </a:solidFill>
-                      <a:prstDash val="solid"/>
-                      <a:round/>
-                      <a:headEnd type="none" w="med" len="med"/>
-                      <a:tailEnd type="none" w="med" len="med"/>
-                    </a:lnT>
-                    <a:lnB w="9525" cap="flat" cmpd="sng" algn="ctr">
-                      <a:solidFill>
-                        <a:srgbClr val="DFE2E5"/>
-                      </a:solidFill>
-                      <a:prstDash val="solid"/>
-                      <a:round/>
-                      <a:headEnd type="none" w="med" len="med"/>
-                      <a:tailEnd type="none" w="med" len="med"/>
-                    </a:lnB>
-                    <a:solidFill>
-                      <a:srgbClr val="FFFFFF"/>
-                    </a:solidFill>
-                  </a:tcPr>
-                </a:tc>
-                <a:tc>
-                  <a:txBody>
-                    <a:bodyPr/>
-                    <a:lstStyle/>
-                    <a:p>
-                      <a:pPr algn="ctr"/>
-                      <a:r>
-                        <a:rPr lang="de-CH" sz="600" b="1">
-                          <a:effectLst/>
-                        </a:rPr>
-                        <a:t>Description</a:t>
-                      </a:r>
-                    </a:p>
-                  </a:txBody>
-                  <a:tcPr marL="123825" marR="123825" marT="57150" marB="57150" anchor="ctr">
-                    <a:lnL w="9525" cap="flat" cmpd="sng" algn="ctr">
-                      <a:solidFill>
-                        <a:srgbClr val="DFE2E5"/>
-                      </a:solidFill>
-                      <a:prstDash val="solid"/>
-                      <a:round/>
-                      <a:headEnd type="none" w="med" len="med"/>
-                      <a:tailEnd type="none" w="med" len="med"/>
-                    </a:lnL>
-                    <a:lnR w="9525" cap="flat" cmpd="sng" algn="ctr">
-                      <a:solidFill>
-                        <a:srgbClr val="DFE2E5"/>
-                      </a:solidFill>
-                      <a:prstDash val="solid"/>
-                      <a:round/>
-                      <a:headEnd type="none" w="med" len="med"/>
-                      <a:tailEnd type="none" w="med" len="med"/>
-                    </a:lnR>
-                    <a:lnT w="9525" cap="flat" cmpd="sng" algn="ctr">
-                      <a:solidFill>
-                        <a:srgbClr val="DFE2E5"/>
-                      </a:solidFill>
-                      <a:prstDash val="solid"/>
-                      <a:round/>
-                      <a:headEnd type="none" w="med" len="med"/>
-                      <a:tailEnd type="none" w="med" len="med"/>
-                    </a:lnT>
-                    <a:lnB w="9525" cap="flat" cmpd="sng" algn="ctr">
-                      <a:solidFill>
-                        <a:srgbClr val="DFE2E5"/>
-                      </a:solidFill>
-                      <a:prstDash val="solid"/>
-                      <a:round/>
-                      <a:headEnd type="none" w="med" len="med"/>
-                      <a:tailEnd type="none" w="med" len="med"/>
-                    </a:lnB>
-                    <a:solidFill>
-                      <a:srgbClr val="FFFFFF"/>
-                    </a:solidFill>
-                  </a:tcPr>
-                </a:tc>
-                <a:tc>
-                  <a:txBody>
-                    <a:bodyPr/>
-                    <a:lstStyle/>
-                    <a:p>
-                      <a:pPr algn="ctr"/>
-                      <a:r>
-                        <a:rPr lang="en-US" sz="600" b="1" dirty="0" smtClean="0">
-                          <a:effectLst/>
-                        </a:rPr>
-                        <a:t>Arduino</a:t>
-                      </a:r>
-                      <a:endParaRPr lang="de-CH" sz="600" b="1" dirty="0">
-                        <a:effectLst/>
-                      </a:endParaRPr>
-                    </a:p>
-                  </a:txBody>
-                  <a:tcPr marL="123825" marR="123825" marT="57150" marB="57150" anchor="ctr">
-                    <a:lnL w="9525" cap="flat" cmpd="sng" algn="ctr">
-                      <a:solidFill>
-                        <a:srgbClr val="DFE2E5"/>
-                      </a:solidFill>
-                      <a:prstDash val="solid"/>
-                      <a:round/>
-                      <a:headEnd type="none" w="med" len="med"/>
-                      <a:tailEnd type="none" w="med" len="med"/>
-                    </a:lnL>
-                    <a:lnR w="9525" cap="flat" cmpd="sng" algn="ctr">
-                      <a:solidFill>
-                        <a:srgbClr val="DFE2E5"/>
-                      </a:solidFill>
-                      <a:prstDash val="solid"/>
-                      <a:round/>
-                      <a:headEnd type="none" w="med" len="med"/>
-                      <a:tailEnd type="none" w="med" len="med"/>
-                    </a:lnR>
-                    <a:lnT w="9525" cap="flat" cmpd="sng" algn="ctr">
-                      <a:solidFill>
-                        <a:srgbClr val="DFE2E5"/>
-                      </a:solidFill>
-                      <a:prstDash val="solid"/>
-                      <a:round/>
-                      <a:headEnd type="none" w="med" len="med"/>
-                      <a:tailEnd type="none" w="med" len="med"/>
-                    </a:lnT>
-                    <a:lnB w="9525" cap="flat" cmpd="sng" algn="ctr">
-                      <a:solidFill>
-                        <a:srgbClr val="DFE2E5"/>
-                      </a:solidFill>
-                      <a:prstDash val="solid"/>
-                      <a:round/>
-                      <a:headEnd type="none" w="med" len="med"/>
-                      <a:tailEnd type="none" w="med" len="med"/>
-                    </a:lnB>
-                    <a:solidFill>
-                      <a:srgbClr val="FFFFFF"/>
-                    </a:solidFill>
-                  </a:tcPr>
-                </a:tc>
-                <a:extLst>
-                  <a:ext uri="{0D108BD9-81ED-4DB2-BD59-A6C34878D82A}">
-                    <a16:rowId xmlns:a16="http://schemas.microsoft.com/office/drawing/2014/main" val="2324575325"/>
-                  </a:ext>
-                </a:extLst>
-              </a:tr>
-              <a:tr h="150487">
-                <a:tc>
-                  <a:txBody>
-                    <a:bodyPr/>
-                    <a:lstStyle/>
-                    <a:p>
-                      <a:pPr algn="ctr"/>
-                      <a:r>
-                        <a:rPr lang="de-CH" sz="600">
-                          <a:effectLst/>
-                        </a:rPr>
-                        <a:t>1</a:t>
-                      </a:r>
-                    </a:p>
-                  </a:txBody>
-                  <a:tcPr marL="123825" marR="123825" marT="57150" marB="57150" anchor="ctr">
-                    <a:lnL w="9525" cap="flat" cmpd="sng" algn="ctr">
-                      <a:solidFill>
-                        <a:srgbClr val="DFE2E5"/>
-                      </a:solidFill>
-                      <a:prstDash val="solid"/>
-                      <a:round/>
-                      <a:headEnd type="none" w="med" len="med"/>
-                      <a:tailEnd type="none" w="med" len="med"/>
-                    </a:lnL>
-                    <a:lnR w="9525" cap="flat" cmpd="sng" algn="ctr">
-                      <a:solidFill>
-                        <a:srgbClr val="DFE2E5"/>
-                      </a:solidFill>
-                      <a:prstDash val="solid"/>
-                      <a:round/>
-                      <a:headEnd type="none" w="med" len="med"/>
-                      <a:tailEnd type="none" w="med" len="med"/>
-                    </a:lnR>
-                    <a:lnT w="9525" cap="flat" cmpd="sng" algn="ctr">
-                      <a:solidFill>
-                        <a:srgbClr val="DFE2E5"/>
-                      </a:solidFill>
-                      <a:prstDash val="solid"/>
-                      <a:round/>
-                      <a:headEnd type="none" w="med" len="med"/>
-                      <a:tailEnd type="none" w="med" len="med"/>
-                    </a:lnT>
-                    <a:lnB w="9525" cap="flat" cmpd="sng" algn="ctr">
-                      <a:solidFill>
-                        <a:srgbClr val="DFE2E5"/>
-                      </a:solidFill>
-                      <a:prstDash val="solid"/>
-                      <a:round/>
-                      <a:headEnd type="none" w="med" len="med"/>
-                      <a:tailEnd type="none" w="med" len="med"/>
-                    </a:lnB>
-                    <a:solidFill>
-                      <a:srgbClr val="FFFFFF"/>
-                    </a:solidFill>
-                  </a:tcPr>
-                </a:tc>
-                <a:tc>
-                  <a:txBody>
-                    <a:bodyPr/>
-                    <a:lstStyle/>
-                    <a:p>
-                      <a:pPr algn="ctr"/>
-                      <a:r>
-                        <a:rPr lang="de-CH" sz="600">
-                          <a:effectLst/>
-                        </a:rPr>
-                        <a:t>Red-blue</a:t>
-                      </a:r>
-                    </a:p>
-                  </a:txBody>
-                  <a:tcPr marL="123825" marR="123825" marT="57150" marB="57150" anchor="ctr">
-                    <a:lnL w="9525" cap="flat" cmpd="sng" algn="ctr">
-                      <a:solidFill>
-                        <a:srgbClr val="DFE2E5"/>
-                      </a:solidFill>
-                      <a:prstDash val="solid"/>
-                      <a:round/>
-                      <a:headEnd type="none" w="med" len="med"/>
-                      <a:tailEnd type="none" w="med" len="med"/>
-                    </a:lnL>
-                    <a:lnR w="9525" cap="flat" cmpd="sng" algn="ctr">
-                      <a:solidFill>
-                        <a:srgbClr val="DFE2E5"/>
-                      </a:solidFill>
-                      <a:prstDash val="solid"/>
-                      <a:round/>
-                      <a:headEnd type="none" w="med" len="med"/>
-                      <a:tailEnd type="none" w="med" len="med"/>
-                    </a:lnR>
-                    <a:lnT w="9525" cap="flat" cmpd="sng" algn="ctr">
-                      <a:solidFill>
-                        <a:srgbClr val="DFE2E5"/>
-                      </a:solidFill>
-                      <a:prstDash val="solid"/>
-                      <a:round/>
-                      <a:headEnd type="none" w="med" len="med"/>
-                      <a:tailEnd type="none" w="med" len="med"/>
-                    </a:lnT>
-                    <a:lnB w="9525" cap="flat" cmpd="sng" algn="ctr">
-                      <a:solidFill>
-                        <a:srgbClr val="DFE2E5"/>
-                      </a:solidFill>
-                      <a:prstDash val="solid"/>
-                      <a:round/>
-                      <a:headEnd type="none" w="med" len="med"/>
-                      <a:tailEnd type="none" w="med" len="med"/>
-                    </a:lnB>
-                    <a:solidFill>
-                      <a:srgbClr val="FFFFFF"/>
-                    </a:solidFill>
-                  </a:tcPr>
-                </a:tc>
-                <a:tc>
-                  <a:txBody>
-                    <a:bodyPr/>
-                    <a:lstStyle/>
-                    <a:p>
-                      <a:pPr algn="ctr"/>
-                      <a:r>
-                        <a:rPr lang="de-CH" sz="600">
-                          <a:effectLst/>
-                        </a:rPr>
-                        <a:t>Setpoint common</a:t>
-                      </a:r>
-                    </a:p>
-                  </a:txBody>
-                  <a:tcPr marL="123825" marR="123825" marT="57150" marB="57150" anchor="ctr">
-                    <a:lnL w="9525" cap="flat" cmpd="sng" algn="ctr">
-                      <a:solidFill>
-                        <a:srgbClr val="DFE2E5"/>
-                      </a:solidFill>
-                      <a:prstDash val="solid"/>
-                      <a:round/>
-                      <a:headEnd type="none" w="med" len="med"/>
-                      <a:tailEnd type="none" w="med" len="med"/>
-                    </a:lnL>
-                    <a:lnR w="9525" cap="flat" cmpd="sng" algn="ctr">
-                      <a:solidFill>
-                        <a:srgbClr val="DFE2E5"/>
-                      </a:solidFill>
-                      <a:prstDash val="solid"/>
-                      <a:round/>
-                      <a:headEnd type="none" w="med" len="med"/>
-                      <a:tailEnd type="none" w="med" len="med"/>
-                    </a:lnR>
-                    <a:lnT w="9525" cap="flat" cmpd="sng" algn="ctr">
-                      <a:solidFill>
-                        <a:srgbClr val="DFE2E5"/>
-                      </a:solidFill>
-                      <a:prstDash val="solid"/>
-                      <a:round/>
-                      <a:headEnd type="none" w="med" len="med"/>
-                      <a:tailEnd type="none" w="med" len="med"/>
-                    </a:lnT>
-                    <a:lnB w="9525" cap="flat" cmpd="sng" algn="ctr">
-                      <a:solidFill>
-                        <a:srgbClr val="DFE2E5"/>
-                      </a:solidFill>
-                      <a:prstDash val="solid"/>
-                      <a:round/>
-                      <a:headEnd type="none" w="med" len="med"/>
-                      <a:tailEnd type="none" w="med" len="med"/>
-                    </a:lnB>
-                    <a:solidFill>
-                      <a:srgbClr val="FFFFFF"/>
-                    </a:solidFill>
-                  </a:tcPr>
-                </a:tc>
-                <a:tc>
-                  <a:txBody>
-                    <a:bodyPr/>
-                    <a:lstStyle/>
-                    <a:p>
-                      <a:pPr algn="ctr"/>
-                      <a:r>
-                        <a:rPr lang="en-US" sz="600" dirty="0" smtClean="0">
-                          <a:effectLst/>
-                        </a:rPr>
-                        <a:t>GND</a:t>
-                      </a:r>
-                      <a:endParaRPr lang="de-CH" sz="600" dirty="0">
-                        <a:effectLst/>
-                      </a:endParaRPr>
-                    </a:p>
-                  </a:txBody>
-                  <a:tcPr marL="123825" marR="123825" marT="57150" marB="57150" anchor="ctr">
-                    <a:lnL w="9525" cap="flat" cmpd="sng" algn="ctr">
-                      <a:solidFill>
-                        <a:srgbClr val="DFE2E5"/>
-                      </a:solidFill>
-                      <a:prstDash val="solid"/>
-                      <a:round/>
-                      <a:headEnd type="none" w="med" len="med"/>
-                      <a:tailEnd type="none" w="med" len="med"/>
-                    </a:lnL>
-                    <a:lnR w="9525" cap="flat" cmpd="sng" algn="ctr">
-                      <a:solidFill>
-                        <a:srgbClr val="DFE2E5"/>
-                      </a:solidFill>
-                      <a:prstDash val="solid"/>
-                      <a:round/>
-                      <a:headEnd type="none" w="med" len="med"/>
-                      <a:tailEnd type="none" w="med" len="med"/>
-                    </a:lnR>
-                    <a:lnT w="9525" cap="flat" cmpd="sng" algn="ctr">
-                      <a:solidFill>
-                        <a:srgbClr val="DFE2E5"/>
-                      </a:solidFill>
-                      <a:prstDash val="solid"/>
-                      <a:round/>
-                      <a:headEnd type="none" w="med" len="med"/>
-                      <a:tailEnd type="none" w="med" len="med"/>
-                    </a:lnT>
-                    <a:lnB w="9525" cap="flat" cmpd="sng" algn="ctr">
-                      <a:solidFill>
-                        <a:srgbClr val="DFE2E5"/>
-                      </a:solidFill>
-                      <a:prstDash val="solid"/>
-                      <a:round/>
-                      <a:headEnd type="none" w="med" len="med"/>
-                      <a:tailEnd type="none" w="med" len="med"/>
-                    </a:lnB>
-                    <a:solidFill>
-                      <a:srgbClr val="FFFFFF"/>
-                    </a:solidFill>
-                  </a:tcPr>
-                </a:tc>
-                <a:extLst>
-                  <a:ext uri="{0D108BD9-81ED-4DB2-BD59-A6C34878D82A}">
-                    <a16:rowId xmlns:a16="http://schemas.microsoft.com/office/drawing/2014/main" val="1466652730"/>
-                  </a:ext>
-                </a:extLst>
-              </a:tr>
-              <a:tr h="150487">
-                <a:tc>
-                  <a:txBody>
-                    <a:bodyPr/>
-                    <a:lstStyle/>
-                    <a:p>
-                      <a:pPr algn="ctr"/>
-                      <a:r>
-                        <a:rPr lang="de-CH" sz="600">
-                          <a:effectLst/>
-                        </a:rPr>
-                        <a:t>2</a:t>
-                      </a:r>
-                    </a:p>
-                  </a:txBody>
-                  <a:tcPr marL="123825" marR="123825" marT="57150" marB="57150" anchor="ctr">
-                    <a:lnL w="9525" cap="flat" cmpd="sng" algn="ctr">
-                      <a:solidFill>
-                        <a:srgbClr val="DFE2E5"/>
-                      </a:solidFill>
-                      <a:prstDash val="solid"/>
-                      <a:round/>
-                      <a:headEnd type="none" w="med" len="med"/>
-                      <a:tailEnd type="none" w="med" len="med"/>
-                    </a:lnL>
-                    <a:lnR w="9525" cap="flat" cmpd="sng" algn="ctr">
-                      <a:solidFill>
-                        <a:srgbClr val="DFE2E5"/>
-                      </a:solidFill>
-                      <a:prstDash val="solid"/>
-                      <a:round/>
-                      <a:headEnd type="none" w="med" len="med"/>
-                      <a:tailEnd type="none" w="med" len="med"/>
-                    </a:lnR>
-                    <a:lnT w="9525" cap="flat" cmpd="sng" algn="ctr">
-                      <a:solidFill>
-                        <a:srgbClr val="DFE2E5"/>
-                      </a:solidFill>
-                      <a:prstDash val="solid"/>
-                      <a:round/>
-                      <a:headEnd type="none" w="med" len="med"/>
-                      <a:tailEnd type="none" w="med" len="med"/>
-                    </a:lnT>
-                    <a:lnB w="9525" cap="flat" cmpd="sng" algn="ctr">
-                      <a:solidFill>
-                        <a:srgbClr val="DFE2E5"/>
-                      </a:solidFill>
-                      <a:prstDash val="solid"/>
-                      <a:round/>
-                      <a:headEnd type="none" w="med" len="med"/>
-                      <a:tailEnd type="none" w="med" len="med"/>
-                    </a:lnB>
-                    <a:solidFill>
-                      <a:srgbClr val="F6F8FA"/>
-                    </a:solidFill>
-                  </a:tcPr>
-                </a:tc>
-                <a:tc>
-                  <a:txBody>
-                    <a:bodyPr/>
-                    <a:lstStyle/>
-                    <a:p>
-                      <a:pPr algn="ctr"/>
-                      <a:r>
-                        <a:rPr lang="de-CH" sz="600">
-                          <a:effectLst/>
-                        </a:rPr>
-                        <a:t>White-green</a:t>
-                      </a:r>
-                    </a:p>
-                  </a:txBody>
-                  <a:tcPr marL="123825" marR="123825" marT="57150" marB="57150" anchor="ctr">
-                    <a:lnL w="9525" cap="flat" cmpd="sng" algn="ctr">
-                      <a:solidFill>
-                        <a:srgbClr val="DFE2E5"/>
-                      </a:solidFill>
-                      <a:prstDash val="solid"/>
-                      <a:round/>
-                      <a:headEnd type="none" w="med" len="med"/>
-                      <a:tailEnd type="none" w="med" len="med"/>
-                    </a:lnL>
-                    <a:lnR w="9525" cap="flat" cmpd="sng" algn="ctr">
-                      <a:solidFill>
-                        <a:srgbClr val="DFE2E5"/>
-                      </a:solidFill>
-                      <a:prstDash val="solid"/>
-                      <a:round/>
-                      <a:headEnd type="none" w="med" len="med"/>
-                      <a:tailEnd type="none" w="med" len="med"/>
-                    </a:lnR>
-                    <a:lnT w="9525" cap="flat" cmpd="sng" algn="ctr">
-                      <a:solidFill>
-                        <a:srgbClr val="DFE2E5"/>
-                      </a:solidFill>
-                      <a:prstDash val="solid"/>
-                      <a:round/>
-                      <a:headEnd type="none" w="med" len="med"/>
-                      <a:tailEnd type="none" w="med" len="med"/>
-                    </a:lnT>
-                    <a:lnB w="9525" cap="flat" cmpd="sng" algn="ctr">
-                      <a:solidFill>
-                        <a:srgbClr val="DFE2E5"/>
-                      </a:solidFill>
-                      <a:prstDash val="solid"/>
-                      <a:round/>
-                      <a:headEnd type="none" w="med" len="med"/>
-                      <a:tailEnd type="none" w="med" len="med"/>
-                    </a:lnB>
-                    <a:solidFill>
-                      <a:srgbClr val="F6F8FA"/>
-                    </a:solidFill>
-                  </a:tcPr>
-                </a:tc>
-                <a:tc>
-                  <a:txBody>
-                    <a:bodyPr/>
-                    <a:lstStyle/>
-                    <a:p>
-                      <a:pPr algn="ctr"/>
-                      <a:r>
-                        <a:rPr lang="de-CH" sz="600">
-                          <a:effectLst/>
-                        </a:rPr>
-                        <a:t>Flow Signal 0-5 V</a:t>
-                      </a:r>
-                    </a:p>
-                  </a:txBody>
-                  <a:tcPr marL="123825" marR="123825" marT="57150" marB="57150" anchor="ctr">
-                    <a:lnL w="9525" cap="flat" cmpd="sng" algn="ctr">
-                      <a:solidFill>
-                        <a:srgbClr val="DFE2E5"/>
-                      </a:solidFill>
-                      <a:prstDash val="solid"/>
-                      <a:round/>
-                      <a:headEnd type="none" w="med" len="med"/>
-                      <a:tailEnd type="none" w="med" len="med"/>
-                    </a:lnL>
-                    <a:lnR w="9525" cap="flat" cmpd="sng" algn="ctr">
-                      <a:solidFill>
-                        <a:srgbClr val="DFE2E5"/>
-                      </a:solidFill>
-                      <a:prstDash val="solid"/>
-                      <a:round/>
-                      <a:headEnd type="none" w="med" len="med"/>
-                      <a:tailEnd type="none" w="med" len="med"/>
-                    </a:lnR>
-                    <a:lnT w="9525" cap="flat" cmpd="sng" algn="ctr">
-                      <a:solidFill>
-                        <a:srgbClr val="DFE2E5"/>
-                      </a:solidFill>
-                      <a:prstDash val="solid"/>
-                      <a:round/>
-                      <a:headEnd type="none" w="med" len="med"/>
-                      <a:tailEnd type="none" w="med" len="med"/>
-                    </a:lnT>
-                    <a:lnB w="9525" cap="flat" cmpd="sng" algn="ctr">
-                      <a:solidFill>
-                        <a:srgbClr val="DFE2E5"/>
-                      </a:solidFill>
-                      <a:prstDash val="solid"/>
-                      <a:round/>
-                      <a:headEnd type="none" w="med" len="med"/>
-                      <a:tailEnd type="none" w="med" len="med"/>
-                    </a:lnB>
-                    <a:solidFill>
-                      <a:srgbClr val="F6F8FA"/>
-                    </a:solidFill>
-                  </a:tcPr>
-                </a:tc>
-                <a:tc>
-                  <a:txBody>
-                    <a:bodyPr/>
-                    <a:lstStyle/>
-                    <a:p>
-                      <a:pPr algn="ctr"/>
-                      <a:r>
-                        <a:rPr lang="en-US" sz="600" dirty="0" smtClean="0">
-                          <a:effectLst/>
-                        </a:rPr>
-                        <a:t>A0</a:t>
-                      </a:r>
-                      <a:endParaRPr lang="de-CH" sz="600" dirty="0">
-                        <a:effectLst/>
-                      </a:endParaRPr>
-                    </a:p>
-                  </a:txBody>
-                  <a:tcPr marL="123825" marR="123825" marT="57150" marB="57150" anchor="ctr">
-                    <a:lnL w="9525" cap="flat" cmpd="sng" algn="ctr">
-                      <a:solidFill>
-                        <a:srgbClr val="DFE2E5"/>
-                      </a:solidFill>
-                      <a:prstDash val="solid"/>
-                      <a:round/>
-                      <a:headEnd type="none" w="med" len="med"/>
-                      <a:tailEnd type="none" w="med" len="med"/>
-                    </a:lnL>
-                    <a:lnR w="9525" cap="flat" cmpd="sng" algn="ctr">
-                      <a:solidFill>
-                        <a:srgbClr val="DFE2E5"/>
-                      </a:solidFill>
-                      <a:prstDash val="solid"/>
-                      <a:round/>
-                      <a:headEnd type="none" w="med" len="med"/>
-                      <a:tailEnd type="none" w="med" len="med"/>
-                    </a:lnR>
-                    <a:lnT w="9525" cap="flat" cmpd="sng" algn="ctr">
-                      <a:solidFill>
-                        <a:srgbClr val="DFE2E5"/>
-                      </a:solidFill>
-                      <a:prstDash val="solid"/>
-                      <a:round/>
-                      <a:headEnd type="none" w="med" len="med"/>
-                      <a:tailEnd type="none" w="med" len="med"/>
-                    </a:lnT>
-                    <a:lnB w="9525" cap="flat" cmpd="sng" algn="ctr">
-                      <a:solidFill>
-                        <a:srgbClr val="DFE2E5"/>
-                      </a:solidFill>
-                      <a:prstDash val="solid"/>
-                      <a:round/>
-                      <a:headEnd type="none" w="med" len="med"/>
-                      <a:tailEnd type="none" w="med" len="med"/>
-                    </a:lnB>
-                    <a:solidFill>
-                      <a:srgbClr val="F6F8FA"/>
-                    </a:solidFill>
-                  </a:tcPr>
-                </a:tc>
-                <a:extLst>
-                  <a:ext uri="{0D108BD9-81ED-4DB2-BD59-A6C34878D82A}">
-                    <a16:rowId xmlns:a16="http://schemas.microsoft.com/office/drawing/2014/main" val="2471933233"/>
-                  </a:ext>
-                </a:extLst>
-              </a:tr>
-              <a:tr h="256712">
-                <a:tc>
-                  <a:txBody>
-                    <a:bodyPr/>
-                    <a:lstStyle/>
-                    <a:p>
-                      <a:pPr algn="ctr"/>
-                      <a:r>
-                        <a:rPr lang="de-CH" sz="600">
-                          <a:effectLst/>
-                        </a:rPr>
-                        <a:t>5</a:t>
-                      </a:r>
-                    </a:p>
-                  </a:txBody>
-                  <a:tcPr marL="123825" marR="123825" marT="57150" marB="57150" anchor="ctr">
-                    <a:lnL w="9525" cap="flat" cmpd="sng" algn="ctr">
-                      <a:solidFill>
-                        <a:srgbClr val="DFE2E5"/>
-                      </a:solidFill>
-                      <a:prstDash val="solid"/>
-                      <a:round/>
-                      <a:headEnd type="none" w="med" len="med"/>
-                      <a:tailEnd type="none" w="med" len="med"/>
-                    </a:lnL>
-                    <a:lnR w="9525" cap="flat" cmpd="sng" algn="ctr">
-                      <a:solidFill>
-                        <a:srgbClr val="DFE2E5"/>
-                      </a:solidFill>
-                      <a:prstDash val="solid"/>
-                      <a:round/>
-                      <a:headEnd type="none" w="med" len="med"/>
-                      <a:tailEnd type="none" w="med" len="med"/>
-                    </a:lnR>
-                    <a:lnT w="9525" cap="flat" cmpd="sng" algn="ctr">
-                      <a:solidFill>
-                        <a:srgbClr val="DFE2E5"/>
-                      </a:solidFill>
-                      <a:prstDash val="solid"/>
-                      <a:round/>
-                      <a:headEnd type="none" w="med" len="med"/>
-                      <a:tailEnd type="none" w="med" len="med"/>
-                    </a:lnT>
-                    <a:lnB w="9525" cap="flat" cmpd="sng" algn="ctr">
-                      <a:solidFill>
-                        <a:srgbClr val="DFE2E5"/>
-                      </a:solidFill>
-                      <a:prstDash val="solid"/>
-                      <a:round/>
-                      <a:headEnd type="none" w="med" len="med"/>
-                      <a:tailEnd type="none" w="med" len="med"/>
-                    </a:lnB>
-                    <a:solidFill>
-                      <a:srgbClr val="FFFFFF"/>
-                    </a:solidFill>
-                  </a:tcPr>
-                </a:tc>
-                <a:tc>
-                  <a:txBody>
-                    <a:bodyPr/>
-                    <a:lstStyle/>
-                    <a:p>
-                      <a:pPr algn="ctr"/>
-                      <a:r>
-                        <a:rPr lang="de-CH" sz="600">
-                          <a:effectLst/>
-                        </a:rPr>
-                        <a:t>Blue</a:t>
-                      </a:r>
-                    </a:p>
-                  </a:txBody>
-                  <a:tcPr marL="123825" marR="123825" marT="57150" marB="57150" anchor="ctr">
-                    <a:lnL w="9525" cap="flat" cmpd="sng" algn="ctr">
-                      <a:solidFill>
-                        <a:srgbClr val="DFE2E5"/>
-                      </a:solidFill>
-                      <a:prstDash val="solid"/>
-                      <a:round/>
-                      <a:headEnd type="none" w="med" len="med"/>
-                      <a:tailEnd type="none" w="med" len="med"/>
-                    </a:lnL>
-                    <a:lnR w="9525" cap="flat" cmpd="sng" algn="ctr">
-                      <a:solidFill>
-                        <a:srgbClr val="DFE2E5"/>
-                      </a:solidFill>
-                      <a:prstDash val="solid"/>
-                      <a:round/>
-                      <a:headEnd type="none" w="med" len="med"/>
-                      <a:tailEnd type="none" w="med" len="med"/>
-                    </a:lnR>
-                    <a:lnT w="9525" cap="flat" cmpd="sng" algn="ctr">
-                      <a:solidFill>
-                        <a:srgbClr val="DFE2E5"/>
-                      </a:solidFill>
-                      <a:prstDash val="solid"/>
-                      <a:round/>
-                      <a:headEnd type="none" w="med" len="med"/>
-                      <a:tailEnd type="none" w="med" len="med"/>
-                    </a:lnT>
-                    <a:lnB w="9525" cap="flat" cmpd="sng" algn="ctr">
-                      <a:solidFill>
-                        <a:srgbClr val="DFE2E5"/>
-                      </a:solidFill>
-                      <a:prstDash val="solid"/>
-                      <a:round/>
-                      <a:headEnd type="none" w="med" len="med"/>
-                      <a:tailEnd type="none" w="med" len="med"/>
-                    </a:lnB>
-                    <a:solidFill>
-                      <a:srgbClr val="FFFFFF"/>
-                    </a:solidFill>
-                  </a:tcPr>
-                </a:tc>
-                <a:tc>
-                  <a:txBody>
-                    <a:bodyPr/>
-                    <a:lstStyle/>
-                    <a:p>
-                      <a:pPr algn="ctr"/>
-                      <a:r>
-                        <a:rPr lang="en-US" sz="600">
-                          <a:effectLst/>
-                        </a:rPr>
-                        <a:t>Power Supply +13.5 to +27 VDC</a:t>
-                      </a:r>
-                    </a:p>
-                  </a:txBody>
-                  <a:tcPr marL="123825" marR="123825" marT="57150" marB="57150" anchor="ctr">
-                    <a:lnL w="9525" cap="flat" cmpd="sng" algn="ctr">
-                      <a:solidFill>
-                        <a:srgbClr val="DFE2E5"/>
-                      </a:solidFill>
-                      <a:prstDash val="solid"/>
-                      <a:round/>
-                      <a:headEnd type="none" w="med" len="med"/>
-                      <a:tailEnd type="none" w="med" len="med"/>
-                    </a:lnL>
-                    <a:lnR w="9525" cap="flat" cmpd="sng" algn="ctr">
-                      <a:solidFill>
-                        <a:srgbClr val="DFE2E5"/>
-                      </a:solidFill>
-                      <a:prstDash val="solid"/>
-                      <a:round/>
-                      <a:headEnd type="none" w="med" len="med"/>
-                      <a:tailEnd type="none" w="med" len="med"/>
-                    </a:lnR>
-                    <a:lnT w="9525" cap="flat" cmpd="sng" algn="ctr">
-                      <a:solidFill>
-                        <a:srgbClr val="DFE2E5"/>
-                      </a:solidFill>
-                      <a:prstDash val="solid"/>
-                      <a:round/>
-                      <a:headEnd type="none" w="med" len="med"/>
-                      <a:tailEnd type="none" w="med" len="med"/>
-                    </a:lnT>
-                    <a:lnB w="9525" cap="flat" cmpd="sng" algn="ctr">
-                      <a:solidFill>
-                        <a:srgbClr val="DFE2E5"/>
-                      </a:solidFill>
-                      <a:prstDash val="solid"/>
-                      <a:round/>
-                      <a:headEnd type="none" w="med" len="med"/>
-                      <a:tailEnd type="none" w="med" len="med"/>
-                    </a:lnB>
-                    <a:solidFill>
-                      <a:srgbClr val="FFFFFF"/>
-                    </a:solidFill>
-                  </a:tcPr>
-                </a:tc>
-                <a:tc>
-                  <a:txBody>
-                    <a:bodyPr/>
-                    <a:lstStyle/>
-                    <a:p>
-                      <a:pPr algn="ctr"/>
-                      <a:r>
-                        <a:rPr lang="en-US" sz="600" dirty="0" smtClean="0">
-                          <a:effectLst/>
-                        </a:rPr>
-                        <a:t>-</a:t>
-                      </a:r>
-                      <a:endParaRPr lang="en-US" sz="600" dirty="0">
-                        <a:effectLst/>
-                      </a:endParaRPr>
-                    </a:p>
-                  </a:txBody>
-                  <a:tcPr marL="123825" marR="123825" marT="57150" marB="57150" anchor="ctr">
-                    <a:lnL w="9525" cap="flat" cmpd="sng" algn="ctr">
-                      <a:solidFill>
-                        <a:srgbClr val="DFE2E5"/>
-                      </a:solidFill>
-                      <a:prstDash val="solid"/>
-                      <a:round/>
-                      <a:headEnd type="none" w="med" len="med"/>
-                      <a:tailEnd type="none" w="med" len="med"/>
-                    </a:lnL>
-                    <a:lnR w="9525" cap="flat" cmpd="sng" algn="ctr">
-                      <a:solidFill>
-                        <a:srgbClr val="DFE2E5"/>
-                      </a:solidFill>
-                      <a:prstDash val="solid"/>
-                      <a:round/>
-                      <a:headEnd type="none" w="med" len="med"/>
-                      <a:tailEnd type="none" w="med" len="med"/>
-                    </a:lnR>
-                    <a:lnT w="9525" cap="flat" cmpd="sng" algn="ctr">
-                      <a:solidFill>
-                        <a:srgbClr val="DFE2E5"/>
-                      </a:solidFill>
-                      <a:prstDash val="solid"/>
-                      <a:round/>
-                      <a:headEnd type="none" w="med" len="med"/>
-                      <a:tailEnd type="none" w="med" len="med"/>
-                    </a:lnT>
-                    <a:lnB w="9525" cap="flat" cmpd="sng" algn="ctr">
-                      <a:solidFill>
-                        <a:srgbClr val="DFE2E5"/>
-                      </a:solidFill>
-                      <a:prstDash val="solid"/>
-                      <a:round/>
-                      <a:headEnd type="none" w="med" len="med"/>
-                      <a:tailEnd type="none" w="med" len="med"/>
-                    </a:lnB>
-                    <a:solidFill>
-                      <a:srgbClr val="FFFFFF"/>
-                    </a:solidFill>
-                  </a:tcPr>
-                </a:tc>
-                <a:extLst>
-                  <a:ext uri="{0D108BD9-81ED-4DB2-BD59-A6C34878D82A}">
-                    <a16:rowId xmlns:a16="http://schemas.microsoft.com/office/drawing/2014/main" val="2159562963"/>
-                  </a:ext>
-                </a:extLst>
-              </a:tr>
-              <a:tr h="150487">
-                <a:tc>
-                  <a:txBody>
-                    <a:bodyPr/>
-                    <a:lstStyle/>
-                    <a:p>
-                      <a:pPr algn="ctr"/>
-                      <a:r>
-                        <a:rPr lang="de-CH" sz="600">
-                          <a:effectLst/>
-                        </a:rPr>
-                        <a:t>8</a:t>
-                      </a:r>
-                    </a:p>
-                  </a:txBody>
-                  <a:tcPr marL="123825" marR="123825" marT="57150" marB="57150" anchor="ctr">
-                    <a:lnL w="9525" cap="flat" cmpd="sng" algn="ctr">
-                      <a:solidFill>
-                        <a:srgbClr val="DFE2E5"/>
-                      </a:solidFill>
-                      <a:prstDash val="solid"/>
-                      <a:round/>
-                      <a:headEnd type="none" w="med" len="med"/>
-                      <a:tailEnd type="none" w="med" len="med"/>
-                    </a:lnL>
-                    <a:lnR w="9525" cap="flat" cmpd="sng" algn="ctr">
-                      <a:solidFill>
-                        <a:srgbClr val="DFE2E5"/>
-                      </a:solidFill>
-                      <a:prstDash val="solid"/>
-                      <a:round/>
-                      <a:headEnd type="none" w="med" len="med"/>
-                      <a:tailEnd type="none" w="med" len="med"/>
-                    </a:lnR>
-                    <a:lnT w="9525" cap="flat" cmpd="sng" algn="ctr">
-                      <a:solidFill>
-                        <a:srgbClr val="DFE2E5"/>
-                      </a:solidFill>
-                      <a:prstDash val="solid"/>
-                      <a:round/>
-                      <a:headEnd type="none" w="med" len="med"/>
-                      <a:tailEnd type="none" w="med" len="med"/>
-                    </a:lnT>
-                    <a:lnB w="9525" cap="flat" cmpd="sng" algn="ctr">
-                      <a:solidFill>
-                        <a:srgbClr val="DFE2E5"/>
-                      </a:solidFill>
-                      <a:prstDash val="solid"/>
-                      <a:round/>
-                      <a:headEnd type="none" w="med" len="med"/>
-                      <a:tailEnd type="none" w="med" len="med"/>
-                    </a:lnB>
-                    <a:solidFill>
-                      <a:srgbClr val="F6F8FA"/>
-                    </a:solidFill>
-                  </a:tcPr>
-                </a:tc>
-                <a:tc>
-                  <a:txBody>
-                    <a:bodyPr/>
-                    <a:lstStyle/>
-                    <a:p>
-                      <a:pPr algn="ctr"/>
-                      <a:r>
-                        <a:rPr lang="de-CH" sz="600">
-                          <a:effectLst/>
-                        </a:rPr>
-                        <a:t>Green</a:t>
-                      </a:r>
-                    </a:p>
-                  </a:txBody>
-                  <a:tcPr marL="123825" marR="123825" marT="57150" marB="57150" anchor="ctr">
-                    <a:lnL w="9525" cap="flat" cmpd="sng" algn="ctr">
-                      <a:solidFill>
-                        <a:srgbClr val="DFE2E5"/>
-                      </a:solidFill>
-                      <a:prstDash val="solid"/>
-                      <a:round/>
-                      <a:headEnd type="none" w="med" len="med"/>
-                      <a:tailEnd type="none" w="med" len="med"/>
-                    </a:lnL>
-                    <a:lnR w="9525" cap="flat" cmpd="sng" algn="ctr">
-                      <a:solidFill>
-                        <a:srgbClr val="DFE2E5"/>
-                      </a:solidFill>
-                      <a:prstDash val="solid"/>
-                      <a:round/>
-                      <a:headEnd type="none" w="med" len="med"/>
-                      <a:tailEnd type="none" w="med" len="med"/>
-                    </a:lnR>
-                    <a:lnT w="9525" cap="flat" cmpd="sng" algn="ctr">
-                      <a:solidFill>
-                        <a:srgbClr val="DFE2E5"/>
-                      </a:solidFill>
-                      <a:prstDash val="solid"/>
-                      <a:round/>
-                      <a:headEnd type="none" w="med" len="med"/>
-                      <a:tailEnd type="none" w="med" len="med"/>
-                    </a:lnT>
-                    <a:lnB w="9525" cap="flat" cmpd="sng" algn="ctr">
-                      <a:solidFill>
-                        <a:srgbClr val="DFE2E5"/>
-                      </a:solidFill>
-                      <a:prstDash val="solid"/>
-                      <a:round/>
-                      <a:headEnd type="none" w="med" len="med"/>
-                      <a:tailEnd type="none" w="med" len="med"/>
-                    </a:lnB>
-                    <a:solidFill>
-                      <a:srgbClr val="F6F8FA"/>
-                    </a:solidFill>
-                  </a:tcPr>
-                </a:tc>
-                <a:tc>
-                  <a:txBody>
-                    <a:bodyPr/>
-                    <a:lstStyle/>
-                    <a:p>
-                      <a:pPr algn="ctr"/>
-                      <a:r>
-                        <a:rPr lang="de-CH" sz="600">
-                          <a:effectLst/>
-                        </a:rPr>
-                        <a:t>Setpoint Signal 0 - 5 V</a:t>
-                      </a:r>
-                    </a:p>
-                  </a:txBody>
-                  <a:tcPr marL="123825" marR="123825" marT="57150" marB="57150" anchor="ctr">
-                    <a:lnL w="9525" cap="flat" cmpd="sng" algn="ctr">
-                      <a:solidFill>
-                        <a:srgbClr val="DFE2E5"/>
-                      </a:solidFill>
-                      <a:prstDash val="solid"/>
-                      <a:round/>
-                      <a:headEnd type="none" w="med" len="med"/>
-                      <a:tailEnd type="none" w="med" len="med"/>
-                    </a:lnL>
-                    <a:lnR w="9525" cap="flat" cmpd="sng" algn="ctr">
-                      <a:solidFill>
-                        <a:srgbClr val="DFE2E5"/>
-                      </a:solidFill>
-                      <a:prstDash val="solid"/>
-                      <a:round/>
-                      <a:headEnd type="none" w="med" len="med"/>
-                      <a:tailEnd type="none" w="med" len="med"/>
-                    </a:lnR>
-                    <a:lnT w="9525" cap="flat" cmpd="sng" algn="ctr">
-                      <a:solidFill>
-                        <a:srgbClr val="DFE2E5"/>
-                      </a:solidFill>
-                      <a:prstDash val="solid"/>
-                      <a:round/>
-                      <a:headEnd type="none" w="med" len="med"/>
-                      <a:tailEnd type="none" w="med" len="med"/>
-                    </a:lnT>
-                    <a:lnB w="9525" cap="flat" cmpd="sng" algn="ctr">
-                      <a:solidFill>
-                        <a:srgbClr val="DFE2E5"/>
-                      </a:solidFill>
-                      <a:prstDash val="solid"/>
-                      <a:round/>
-                      <a:headEnd type="none" w="med" len="med"/>
-                      <a:tailEnd type="none" w="med" len="med"/>
-                    </a:lnB>
-                    <a:solidFill>
-                      <a:srgbClr val="F6F8FA"/>
-                    </a:solidFill>
-                  </a:tcPr>
-                </a:tc>
-                <a:tc>
-                  <a:txBody>
-                    <a:bodyPr/>
-                    <a:lstStyle/>
-                    <a:p>
-                      <a:pPr algn="ctr"/>
-                      <a:r>
-                        <a:rPr lang="en-US" sz="600" dirty="0" smtClean="0">
-                          <a:effectLst/>
-                        </a:rPr>
-                        <a:t>Pin 9</a:t>
-                      </a:r>
-                      <a:endParaRPr lang="de-CH" sz="600" dirty="0">
-                        <a:effectLst/>
-                      </a:endParaRPr>
-                    </a:p>
-                  </a:txBody>
-                  <a:tcPr marL="123825" marR="123825" marT="57150" marB="57150" anchor="ctr">
-                    <a:lnL w="9525" cap="flat" cmpd="sng" algn="ctr">
-                      <a:solidFill>
-                        <a:srgbClr val="DFE2E5"/>
-                      </a:solidFill>
-                      <a:prstDash val="solid"/>
-                      <a:round/>
-                      <a:headEnd type="none" w="med" len="med"/>
-                      <a:tailEnd type="none" w="med" len="med"/>
-                    </a:lnL>
-                    <a:lnR w="9525" cap="flat" cmpd="sng" algn="ctr">
-                      <a:solidFill>
-                        <a:srgbClr val="DFE2E5"/>
-                      </a:solidFill>
-                      <a:prstDash val="solid"/>
-                      <a:round/>
-                      <a:headEnd type="none" w="med" len="med"/>
-                      <a:tailEnd type="none" w="med" len="med"/>
-                    </a:lnR>
-                    <a:lnT w="9525" cap="flat" cmpd="sng" algn="ctr">
-                      <a:solidFill>
-                        <a:srgbClr val="DFE2E5"/>
-                      </a:solidFill>
-                      <a:prstDash val="solid"/>
-                      <a:round/>
-                      <a:headEnd type="none" w="med" len="med"/>
-                      <a:tailEnd type="none" w="med" len="med"/>
-                    </a:lnT>
-                    <a:lnB w="9525" cap="flat" cmpd="sng" algn="ctr">
-                      <a:solidFill>
-                        <a:srgbClr val="DFE2E5"/>
-                      </a:solidFill>
-                      <a:prstDash val="solid"/>
-                      <a:round/>
-                      <a:headEnd type="none" w="med" len="med"/>
-                      <a:tailEnd type="none" w="med" len="med"/>
-                    </a:lnB>
-                    <a:solidFill>
-                      <a:srgbClr val="F6F8FA"/>
-                    </a:solidFill>
-                  </a:tcPr>
-                </a:tc>
-                <a:extLst>
-                  <a:ext uri="{0D108BD9-81ED-4DB2-BD59-A6C34878D82A}">
-                    <a16:rowId xmlns:a16="http://schemas.microsoft.com/office/drawing/2014/main" val="206220054"/>
-                  </a:ext>
-                </a:extLst>
-              </a:tr>
-              <a:tr h="150487">
-                <a:tc>
-                  <a:txBody>
-                    <a:bodyPr/>
-                    <a:lstStyle/>
-                    <a:p>
-                      <a:pPr algn="ctr"/>
-                      <a:r>
-                        <a:rPr lang="de-CH" sz="600">
-                          <a:effectLst/>
-                        </a:rPr>
-                        <a:t>9</a:t>
-                      </a:r>
-                    </a:p>
-                  </a:txBody>
-                  <a:tcPr marL="123825" marR="123825" marT="57150" marB="57150" anchor="ctr">
-                    <a:lnL w="9525" cap="flat" cmpd="sng" algn="ctr">
-                      <a:solidFill>
-                        <a:srgbClr val="DFE2E5"/>
-                      </a:solidFill>
-                      <a:prstDash val="solid"/>
-                      <a:round/>
-                      <a:headEnd type="none" w="med" len="med"/>
-                      <a:tailEnd type="none" w="med" len="med"/>
-                    </a:lnL>
-                    <a:lnR w="9525" cap="flat" cmpd="sng" algn="ctr">
-                      <a:solidFill>
-                        <a:srgbClr val="DFE2E5"/>
-                      </a:solidFill>
-                      <a:prstDash val="solid"/>
-                      <a:round/>
-                      <a:headEnd type="none" w="med" len="med"/>
-                      <a:tailEnd type="none" w="med" len="med"/>
-                    </a:lnR>
-                    <a:lnT w="9525" cap="flat" cmpd="sng" algn="ctr">
-                      <a:solidFill>
-                        <a:srgbClr val="DFE2E5"/>
-                      </a:solidFill>
-                      <a:prstDash val="solid"/>
-                      <a:round/>
-                      <a:headEnd type="none" w="med" len="med"/>
-                      <a:tailEnd type="none" w="med" len="med"/>
-                    </a:lnT>
-                    <a:lnB w="9525" cap="flat" cmpd="sng" algn="ctr">
-                      <a:solidFill>
-                        <a:srgbClr val="DFE2E5"/>
-                      </a:solidFill>
-                      <a:prstDash val="solid"/>
-                      <a:round/>
-                      <a:headEnd type="none" w="med" len="med"/>
-                      <a:tailEnd type="none" w="med" len="med"/>
-                    </a:lnB>
-                    <a:solidFill>
-                      <a:srgbClr val="FFFFFF"/>
-                    </a:solidFill>
-                  </a:tcPr>
-                </a:tc>
-                <a:tc>
-                  <a:txBody>
-                    <a:bodyPr/>
-                    <a:lstStyle/>
-                    <a:p>
-                      <a:pPr algn="ctr"/>
-                      <a:r>
-                        <a:rPr lang="de-CH" sz="600">
-                          <a:effectLst/>
-                        </a:rPr>
-                        <a:t>Gray-brown</a:t>
-                      </a:r>
-                    </a:p>
-                  </a:txBody>
-                  <a:tcPr marL="123825" marR="123825" marT="57150" marB="57150" anchor="ctr">
-                    <a:lnL w="9525" cap="flat" cmpd="sng" algn="ctr">
-                      <a:solidFill>
-                        <a:srgbClr val="DFE2E5"/>
-                      </a:solidFill>
-                      <a:prstDash val="solid"/>
-                      <a:round/>
-                      <a:headEnd type="none" w="med" len="med"/>
-                      <a:tailEnd type="none" w="med" len="med"/>
-                    </a:lnL>
-                    <a:lnR w="9525" cap="flat" cmpd="sng" algn="ctr">
-                      <a:solidFill>
-                        <a:srgbClr val="DFE2E5"/>
-                      </a:solidFill>
-                      <a:prstDash val="solid"/>
-                      <a:round/>
-                      <a:headEnd type="none" w="med" len="med"/>
-                      <a:tailEnd type="none" w="med" len="med"/>
-                    </a:lnR>
-                    <a:lnT w="9525" cap="flat" cmpd="sng" algn="ctr">
-                      <a:solidFill>
-                        <a:srgbClr val="DFE2E5"/>
-                      </a:solidFill>
-                      <a:prstDash val="solid"/>
-                      <a:round/>
-                      <a:headEnd type="none" w="med" len="med"/>
-                      <a:tailEnd type="none" w="med" len="med"/>
-                    </a:lnT>
-                    <a:lnB w="9525" cap="flat" cmpd="sng" algn="ctr">
-                      <a:solidFill>
-                        <a:srgbClr val="DFE2E5"/>
-                      </a:solidFill>
-                      <a:prstDash val="solid"/>
-                      <a:round/>
-                      <a:headEnd type="none" w="med" len="med"/>
-                      <a:tailEnd type="none" w="med" len="med"/>
-                    </a:lnB>
-                    <a:solidFill>
-                      <a:srgbClr val="FFFFFF"/>
-                    </a:solidFill>
-                  </a:tcPr>
-                </a:tc>
-                <a:tc>
-                  <a:txBody>
-                    <a:bodyPr/>
-                    <a:lstStyle/>
-                    <a:p>
-                      <a:pPr algn="ctr"/>
-                      <a:r>
-                        <a:rPr lang="de-CH" sz="600">
-                          <a:effectLst/>
-                        </a:rPr>
-                        <a:t>Power Supply common</a:t>
-                      </a:r>
-                    </a:p>
-                  </a:txBody>
-                  <a:tcPr marL="123825" marR="123825" marT="57150" marB="57150" anchor="ctr">
-                    <a:lnL w="9525" cap="flat" cmpd="sng" algn="ctr">
-                      <a:solidFill>
-                        <a:srgbClr val="DFE2E5"/>
-                      </a:solidFill>
-                      <a:prstDash val="solid"/>
-                      <a:round/>
-                      <a:headEnd type="none" w="med" len="med"/>
-                      <a:tailEnd type="none" w="med" len="med"/>
-                    </a:lnL>
-                    <a:lnR w="9525" cap="flat" cmpd="sng" algn="ctr">
-                      <a:solidFill>
-                        <a:srgbClr val="DFE2E5"/>
-                      </a:solidFill>
-                      <a:prstDash val="solid"/>
-                      <a:round/>
-                      <a:headEnd type="none" w="med" len="med"/>
-                      <a:tailEnd type="none" w="med" len="med"/>
-                    </a:lnR>
-                    <a:lnT w="9525" cap="flat" cmpd="sng" algn="ctr">
-                      <a:solidFill>
-                        <a:srgbClr val="DFE2E5"/>
-                      </a:solidFill>
-                      <a:prstDash val="solid"/>
-                      <a:round/>
-                      <a:headEnd type="none" w="med" len="med"/>
-                      <a:tailEnd type="none" w="med" len="med"/>
-                    </a:lnT>
-                    <a:lnB w="9525" cap="flat" cmpd="sng" algn="ctr">
-                      <a:solidFill>
-                        <a:srgbClr val="DFE2E5"/>
-                      </a:solidFill>
-                      <a:prstDash val="solid"/>
-                      <a:round/>
-                      <a:headEnd type="none" w="med" len="med"/>
-                      <a:tailEnd type="none" w="med" len="med"/>
-                    </a:lnB>
-                    <a:solidFill>
-                      <a:srgbClr val="FFFFFF"/>
-                    </a:solidFill>
-                  </a:tcPr>
-                </a:tc>
-                <a:tc>
-                  <a:txBody>
-                    <a:bodyPr/>
-                    <a:lstStyle/>
-                    <a:p>
-                      <a:pPr algn="ctr"/>
-                      <a:r>
-                        <a:rPr lang="en-US" sz="600" dirty="0" smtClean="0">
-                          <a:effectLst/>
-                        </a:rPr>
-                        <a:t>GND</a:t>
-                      </a:r>
-                      <a:endParaRPr lang="de-CH" sz="600" dirty="0">
-                        <a:effectLst/>
-                      </a:endParaRPr>
-                    </a:p>
-                  </a:txBody>
-                  <a:tcPr marL="123825" marR="123825" marT="57150" marB="57150" anchor="ctr">
-                    <a:lnL w="9525" cap="flat" cmpd="sng" algn="ctr">
-                      <a:solidFill>
-                        <a:srgbClr val="DFE2E5"/>
-                      </a:solidFill>
-                      <a:prstDash val="solid"/>
-                      <a:round/>
-                      <a:headEnd type="none" w="med" len="med"/>
-                      <a:tailEnd type="none" w="med" len="med"/>
-                    </a:lnL>
-                    <a:lnR w="9525" cap="flat" cmpd="sng" algn="ctr">
-                      <a:solidFill>
-                        <a:srgbClr val="DFE2E5"/>
-                      </a:solidFill>
-                      <a:prstDash val="solid"/>
-                      <a:round/>
-                      <a:headEnd type="none" w="med" len="med"/>
-                      <a:tailEnd type="none" w="med" len="med"/>
-                    </a:lnR>
-                    <a:lnT w="9525" cap="flat" cmpd="sng" algn="ctr">
-                      <a:solidFill>
-                        <a:srgbClr val="DFE2E5"/>
-                      </a:solidFill>
-                      <a:prstDash val="solid"/>
-                      <a:round/>
-                      <a:headEnd type="none" w="med" len="med"/>
-                      <a:tailEnd type="none" w="med" len="med"/>
-                    </a:lnT>
-                    <a:lnB w="9525" cap="flat" cmpd="sng" algn="ctr">
-                      <a:solidFill>
-                        <a:srgbClr val="DFE2E5"/>
-                      </a:solidFill>
-                      <a:prstDash val="solid"/>
-                      <a:round/>
-                      <a:headEnd type="none" w="med" len="med"/>
-                      <a:tailEnd type="none" w="med" len="med"/>
-                    </a:lnB>
-                    <a:solidFill>
-                      <a:srgbClr val="FFFFFF"/>
-                    </a:solidFill>
-                  </a:tcPr>
-                </a:tc>
-                <a:extLst>
-                  <a:ext uri="{0D108BD9-81ED-4DB2-BD59-A6C34878D82A}">
-                    <a16:rowId xmlns:a16="http://schemas.microsoft.com/office/drawing/2014/main" val="2753530376"/>
-                  </a:ext>
-                </a:extLst>
-              </a:tr>
-              <a:tr h="256712">
-                <a:tc>
-                  <a:txBody>
-                    <a:bodyPr/>
-                    <a:lstStyle/>
-                    <a:p>
-                      <a:pPr algn="ctr"/>
-                      <a:r>
-                        <a:rPr lang="de-CH" sz="600">
-                          <a:effectLst/>
-                        </a:rPr>
-                        <a:t>10</a:t>
-                      </a:r>
-                    </a:p>
-                  </a:txBody>
-                  <a:tcPr marL="123825" marR="123825" marT="57150" marB="57150" anchor="ctr">
-                    <a:lnL w="9525" cap="flat" cmpd="sng" algn="ctr">
-                      <a:solidFill>
-                        <a:srgbClr val="DFE2E5"/>
-                      </a:solidFill>
-                      <a:prstDash val="solid"/>
-                      <a:round/>
-                      <a:headEnd type="none" w="med" len="med"/>
-                      <a:tailEnd type="none" w="med" len="med"/>
-                    </a:lnL>
-                    <a:lnR w="9525" cap="flat" cmpd="sng" algn="ctr">
-                      <a:solidFill>
-                        <a:srgbClr val="DFE2E5"/>
-                      </a:solidFill>
-                      <a:prstDash val="solid"/>
-                      <a:round/>
-                      <a:headEnd type="none" w="med" len="med"/>
-                      <a:tailEnd type="none" w="med" len="med"/>
-                    </a:lnR>
-                    <a:lnT w="9525" cap="flat" cmpd="sng" algn="ctr">
-                      <a:solidFill>
-                        <a:srgbClr val="DFE2E5"/>
-                      </a:solidFill>
-                      <a:prstDash val="solid"/>
-                      <a:round/>
-                      <a:headEnd type="none" w="med" len="med"/>
-                      <a:tailEnd type="none" w="med" len="med"/>
-                    </a:lnT>
-                    <a:lnB w="9525" cap="flat" cmpd="sng" algn="ctr">
-                      <a:solidFill>
-                        <a:srgbClr val="DFE2E5"/>
-                      </a:solidFill>
-                      <a:prstDash val="solid"/>
-                      <a:round/>
-                      <a:headEnd type="none" w="med" len="med"/>
-                      <a:tailEnd type="none" w="med" len="med"/>
-                    </a:lnB>
-                    <a:solidFill>
-                      <a:srgbClr val="F6F8FA"/>
-                    </a:solidFill>
-                  </a:tcPr>
-                </a:tc>
-                <a:tc>
-                  <a:txBody>
-                    <a:bodyPr/>
-                    <a:lstStyle/>
-                    <a:p>
-                      <a:pPr algn="ctr"/>
-                      <a:r>
-                        <a:rPr lang="de-CH" sz="600">
-                          <a:effectLst/>
-                        </a:rPr>
-                        <a:t>Brown-green</a:t>
-                      </a:r>
-                    </a:p>
-                  </a:txBody>
-                  <a:tcPr marL="123825" marR="123825" marT="57150" marB="57150" anchor="ctr">
-                    <a:lnL w="9525" cap="flat" cmpd="sng" algn="ctr">
-                      <a:solidFill>
-                        <a:srgbClr val="DFE2E5"/>
-                      </a:solidFill>
-                      <a:prstDash val="solid"/>
-                      <a:round/>
-                      <a:headEnd type="none" w="med" len="med"/>
-                      <a:tailEnd type="none" w="med" len="med"/>
-                    </a:lnL>
-                    <a:lnR w="9525" cap="flat" cmpd="sng" algn="ctr">
-                      <a:solidFill>
-                        <a:srgbClr val="DFE2E5"/>
-                      </a:solidFill>
-                      <a:prstDash val="solid"/>
-                      <a:round/>
-                      <a:headEnd type="none" w="med" len="med"/>
-                      <a:tailEnd type="none" w="med" len="med"/>
-                    </a:lnR>
-                    <a:lnT w="9525" cap="flat" cmpd="sng" algn="ctr">
-                      <a:solidFill>
-                        <a:srgbClr val="DFE2E5"/>
-                      </a:solidFill>
-                      <a:prstDash val="solid"/>
-                      <a:round/>
-                      <a:headEnd type="none" w="med" len="med"/>
-                      <a:tailEnd type="none" w="med" len="med"/>
-                    </a:lnT>
-                    <a:lnB w="9525" cap="flat" cmpd="sng" algn="ctr">
-                      <a:solidFill>
-                        <a:srgbClr val="DFE2E5"/>
-                      </a:solidFill>
-                      <a:prstDash val="solid"/>
-                      <a:round/>
-                      <a:headEnd type="none" w="med" len="med"/>
-                      <a:tailEnd type="none" w="med" len="med"/>
-                    </a:lnB>
-                    <a:solidFill>
-                      <a:srgbClr val="F6F8FA"/>
-                    </a:solidFill>
-                  </a:tcPr>
-                </a:tc>
-                <a:tc>
-                  <a:txBody>
-                    <a:bodyPr/>
-                    <a:lstStyle/>
-                    <a:p>
-                      <a:pPr algn="ctr"/>
-                      <a:r>
-                        <a:rPr lang="de-CH" sz="600" dirty="0">
-                          <a:effectLst/>
-                        </a:rPr>
-                        <a:t>Flow Signal </a:t>
-                      </a:r>
-                      <a:r>
-                        <a:rPr lang="de-CH" sz="600" dirty="0" err="1">
-                          <a:effectLst/>
-                        </a:rPr>
-                        <a:t>output</a:t>
-                      </a:r>
-                      <a:r>
-                        <a:rPr lang="de-CH" sz="600" dirty="0">
-                          <a:effectLst/>
-                        </a:rPr>
-                        <a:t> </a:t>
-                      </a:r>
-                      <a:r>
-                        <a:rPr lang="de-CH" sz="600" dirty="0" err="1">
-                          <a:effectLst/>
-                        </a:rPr>
-                        <a:t>common</a:t>
-                      </a:r>
-                      <a:endParaRPr lang="de-CH" sz="600" dirty="0">
-                        <a:effectLst/>
-                      </a:endParaRPr>
-                    </a:p>
-                  </a:txBody>
-                  <a:tcPr marL="123825" marR="123825" marT="57150" marB="57150" anchor="ctr">
-                    <a:lnL w="9525" cap="flat" cmpd="sng" algn="ctr">
-                      <a:solidFill>
-                        <a:srgbClr val="DFE2E5"/>
-                      </a:solidFill>
-                      <a:prstDash val="solid"/>
-                      <a:round/>
-                      <a:headEnd type="none" w="med" len="med"/>
-                      <a:tailEnd type="none" w="med" len="med"/>
-                    </a:lnL>
-                    <a:lnR w="9525" cap="flat" cmpd="sng" algn="ctr">
-                      <a:solidFill>
-                        <a:srgbClr val="DFE2E5"/>
-                      </a:solidFill>
-                      <a:prstDash val="solid"/>
-                      <a:round/>
-                      <a:headEnd type="none" w="med" len="med"/>
-                      <a:tailEnd type="none" w="med" len="med"/>
-                    </a:lnR>
-                    <a:lnT w="9525" cap="flat" cmpd="sng" algn="ctr">
-                      <a:solidFill>
-                        <a:srgbClr val="DFE2E5"/>
-                      </a:solidFill>
-                      <a:prstDash val="solid"/>
-                      <a:round/>
-                      <a:headEnd type="none" w="med" len="med"/>
-                      <a:tailEnd type="none" w="med" len="med"/>
-                    </a:lnT>
-                    <a:lnB w="9525" cap="flat" cmpd="sng" algn="ctr">
-                      <a:solidFill>
-                        <a:srgbClr val="DFE2E5"/>
-                      </a:solidFill>
-                      <a:prstDash val="solid"/>
-                      <a:round/>
-                      <a:headEnd type="none" w="med" len="med"/>
-                      <a:tailEnd type="none" w="med" len="med"/>
-                    </a:lnB>
-                    <a:solidFill>
-                      <a:srgbClr val="F6F8FA"/>
-                    </a:solidFill>
-                  </a:tcPr>
-                </a:tc>
-                <a:tc>
-                  <a:txBody>
-                    <a:bodyPr/>
-                    <a:lstStyle/>
-                    <a:p>
-                      <a:pPr algn="ctr"/>
-                      <a:r>
-                        <a:rPr lang="en-US" sz="600" dirty="0" smtClean="0">
-                          <a:effectLst/>
-                        </a:rPr>
-                        <a:t>GND</a:t>
-                      </a:r>
-                      <a:endParaRPr lang="de-CH" sz="600" dirty="0">
-                        <a:effectLst/>
-                      </a:endParaRPr>
-                    </a:p>
-                  </a:txBody>
-                  <a:tcPr marL="123825" marR="123825" marT="57150" marB="57150" anchor="ctr">
-                    <a:lnL w="9525" cap="flat" cmpd="sng" algn="ctr">
-                      <a:solidFill>
-                        <a:srgbClr val="DFE2E5"/>
-                      </a:solidFill>
-                      <a:prstDash val="solid"/>
-                      <a:round/>
-                      <a:headEnd type="none" w="med" len="med"/>
-                      <a:tailEnd type="none" w="med" len="med"/>
-                    </a:lnL>
-                    <a:lnR w="9525" cap="flat" cmpd="sng" algn="ctr">
-                      <a:solidFill>
-                        <a:srgbClr val="DFE2E5"/>
-                      </a:solidFill>
-                      <a:prstDash val="solid"/>
-                      <a:round/>
-                      <a:headEnd type="none" w="med" len="med"/>
-                      <a:tailEnd type="none" w="med" len="med"/>
-                    </a:lnR>
-                    <a:lnT w="9525" cap="flat" cmpd="sng" algn="ctr">
-                      <a:solidFill>
-                        <a:srgbClr val="DFE2E5"/>
-                      </a:solidFill>
-                      <a:prstDash val="solid"/>
-                      <a:round/>
-                      <a:headEnd type="none" w="med" len="med"/>
-                      <a:tailEnd type="none" w="med" len="med"/>
-                    </a:lnT>
-                    <a:lnB w="9525" cap="flat" cmpd="sng" algn="ctr">
-                      <a:solidFill>
-                        <a:srgbClr val="DFE2E5"/>
-                      </a:solidFill>
-                      <a:prstDash val="solid"/>
-                      <a:round/>
-                      <a:headEnd type="none" w="med" len="med"/>
-                      <a:tailEnd type="none" w="med" len="med"/>
-                    </a:lnB>
-                    <a:solidFill>
-                      <a:srgbClr val="F6F8FA"/>
-                    </a:solidFill>
-                  </a:tcPr>
-                </a:tc>
-                <a:extLst>
-                  <a:ext uri="{0D108BD9-81ED-4DB2-BD59-A6C34878D82A}">
-                    <a16:rowId xmlns:a16="http://schemas.microsoft.com/office/drawing/2014/main" val="570725272"/>
-                  </a:ext>
-                </a:extLst>
-              </a:tr>
-            </a:tbl>
-          </a:graphicData>
-        </a:graphic>
-      </p:graphicFrame>
       <p:sp>
         <p:nvSpPr>
           <p:cNvPr id="7" name="Textfeld 6"/>
@@ -5283,6 +3568,30 @@
           </a:p>
         </p:txBody>
       </p:sp>
+      <p:pic>
+        <p:nvPicPr>
+          <p:cNvPr id="25" name="Grafik 24"/>
+          <p:cNvPicPr>
+            <a:picLocks noChangeAspect="1"/>
+          </p:cNvPicPr>
+          <p:nvPr/>
+        </p:nvPicPr>
+        <p:blipFill>
+          <a:blip r:embed="rId2"/>
+          <a:stretch>
+            <a:fillRect/>
+          </a:stretch>
+        </p:blipFill>
+        <p:spPr>
+          <a:xfrm>
+            <a:off x="32105" y="1434217"/>
+            <a:ext cx="3180764" cy="1483550"/>
+          </a:xfrm>
+          <a:prstGeom prst="rect">
+            <a:avLst/>
+          </a:prstGeom>
+        </p:spPr>
+      </p:pic>
     </p:spTree>
     <p:extLst>
       <p:ext uri="{BB962C8B-B14F-4D97-AF65-F5344CB8AC3E}">

--- a/flow_meter/2019-06-27.Layout.BROOKSReadout.pptx
+++ b/flow_meter/2019-06-27.Layout.BROOKSReadout.pptx
@@ -104,6 +104,11 @@
       </a:defRPr>
     </a:lvl9pPr>
   </p:defaultTextStyle>
+  <p:extLst>
+    <p:ext uri="{EFAFB233-063F-42B5-8137-9DF3F51BA10A}">
+      <p15:sldGuideLst xmlns:p15="http://schemas.microsoft.com/office/powerpoint/2012/main"/>
+    </p:ext>
+  </p:extLst>
 </p:presentation>
 </file>
 
@@ -149,7 +154,7 @@
           </a:lstStyle>
           <a:p>
             <a:r>
-              <a:rPr lang="de-DE" smtClean="0"/>
+              <a:rPr lang="de-DE"/>
               <a:t>Titelmasterformat durch Klicken bearbeiten</a:t>
             </a:r>
             <a:endParaRPr lang="de-CH"/>
@@ -214,7 +219,7 @@
           </a:lstStyle>
           <a:p>
             <a:r>
-              <a:rPr lang="de-DE" smtClean="0"/>
+              <a:rPr lang="de-DE"/>
               <a:t>Formatvorlage des Untertitelmasters durch Klicken bearbeiten</a:t>
             </a:r>
             <a:endParaRPr lang="de-CH"/>
@@ -238,7 +243,7 @@
           <a:p>
             <a:fld id="{51B033A0-1401-45FD-AC04-7D5CC2A775CB}" type="datetimeFigureOut">
               <a:rPr lang="de-CH" smtClean="0"/>
-              <a:t>27.06.2019</a:t>
+              <a:t>06.12.19</a:t>
             </a:fld>
             <a:endParaRPr lang="de-CH"/>
           </a:p>
@@ -280,7 +285,7 @@
           <a:p>
             <a:fld id="{8F2836DC-61F1-4519-9993-D14B20830FDD}" type="slidenum">
               <a:rPr lang="de-CH" smtClean="0"/>
-              <a:t>‹Nr.›</a:t>
+              <a:t>‹#›</a:t>
             </a:fld>
             <a:endParaRPr lang="de-CH"/>
           </a:p>
@@ -332,7 +337,7 @@
           <a:lstStyle/>
           <a:p>
             <a:r>
-              <a:rPr lang="de-DE" smtClean="0"/>
+              <a:rPr lang="de-DE"/>
               <a:t>Titelmasterformat durch Klicken bearbeiten</a:t>
             </a:r>
             <a:endParaRPr lang="de-CH"/>
@@ -356,35 +361,35 @@
           <a:p>
             <a:pPr lvl="0"/>
             <a:r>
-              <a:rPr lang="de-DE" smtClean="0"/>
+              <a:rPr lang="de-DE"/>
               <a:t>Formatvorlagen des Textmasters bearbeiten</a:t>
             </a:r>
           </a:p>
           <a:p>
             <a:pPr lvl="1"/>
             <a:r>
-              <a:rPr lang="de-DE" smtClean="0"/>
+              <a:rPr lang="de-DE"/>
               <a:t>Zweite Ebene</a:t>
             </a:r>
           </a:p>
           <a:p>
             <a:pPr lvl="2"/>
             <a:r>
-              <a:rPr lang="de-DE" smtClean="0"/>
+              <a:rPr lang="de-DE"/>
               <a:t>Dritte Ebene</a:t>
             </a:r>
           </a:p>
           <a:p>
             <a:pPr lvl="3"/>
             <a:r>
-              <a:rPr lang="de-DE" smtClean="0"/>
+              <a:rPr lang="de-DE"/>
               <a:t>Vierte Ebene</a:t>
             </a:r>
           </a:p>
           <a:p>
             <a:pPr lvl="4"/>
             <a:r>
-              <a:rPr lang="de-DE" smtClean="0"/>
+              <a:rPr lang="de-DE"/>
               <a:t>Fünfte Ebene</a:t>
             </a:r>
             <a:endParaRPr lang="de-CH"/>
@@ -408,7 +413,7 @@
           <a:p>
             <a:fld id="{51B033A0-1401-45FD-AC04-7D5CC2A775CB}" type="datetimeFigureOut">
               <a:rPr lang="de-CH" smtClean="0"/>
-              <a:t>27.06.2019</a:t>
+              <a:t>06.12.19</a:t>
             </a:fld>
             <a:endParaRPr lang="de-CH"/>
           </a:p>
@@ -450,7 +455,7 @@
           <a:p>
             <a:fld id="{8F2836DC-61F1-4519-9993-D14B20830FDD}" type="slidenum">
               <a:rPr lang="de-CH" smtClean="0"/>
-              <a:t>‹Nr.›</a:t>
+              <a:t>‹#›</a:t>
             </a:fld>
             <a:endParaRPr lang="de-CH"/>
           </a:p>
@@ -507,7 +512,7 @@
           <a:lstStyle/>
           <a:p>
             <a:r>
-              <a:rPr lang="de-DE" smtClean="0"/>
+              <a:rPr lang="de-DE"/>
               <a:t>Titelmasterformat durch Klicken bearbeiten</a:t>
             </a:r>
             <a:endParaRPr lang="de-CH"/>
@@ -536,35 +541,35 @@
           <a:p>
             <a:pPr lvl="0"/>
             <a:r>
-              <a:rPr lang="de-DE" smtClean="0"/>
+              <a:rPr lang="de-DE"/>
               <a:t>Formatvorlagen des Textmasters bearbeiten</a:t>
             </a:r>
           </a:p>
           <a:p>
             <a:pPr lvl="1"/>
             <a:r>
-              <a:rPr lang="de-DE" smtClean="0"/>
+              <a:rPr lang="de-DE"/>
               <a:t>Zweite Ebene</a:t>
             </a:r>
           </a:p>
           <a:p>
             <a:pPr lvl="2"/>
             <a:r>
-              <a:rPr lang="de-DE" smtClean="0"/>
+              <a:rPr lang="de-DE"/>
               <a:t>Dritte Ebene</a:t>
             </a:r>
           </a:p>
           <a:p>
             <a:pPr lvl="3"/>
             <a:r>
-              <a:rPr lang="de-DE" smtClean="0"/>
+              <a:rPr lang="de-DE"/>
               <a:t>Vierte Ebene</a:t>
             </a:r>
           </a:p>
           <a:p>
             <a:pPr lvl="4"/>
             <a:r>
-              <a:rPr lang="de-DE" smtClean="0"/>
+              <a:rPr lang="de-DE"/>
               <a:t>Fünfte Ebene</a:t>
             </a:r>
             <a:endParaRPr lang="de-CH"/>
@@ -588,7 +593,7 @@
           <a:p>
             <a:fld id="{51B033A0-1401-45FD-AC04-7D5CC2A775CB}" type="datetimeFigureOut">
               <a:rPr lang="de-CH" smtClean="0"/>
-              <a:t>27.06.2019</a:t>
+              <a:t>06.12.19</a:t>
             </a:fld>
             <a:endParaRPr lang="de-CH"/>
           </a:p>
@@ -630,7 +635,7 @@
           <a:p>
             <a:fld id="{8F2836DC-61F1-4519-9993-D14B20830FDD}" type="slidenum">
               <a:rPr lang="de-CH" smtClean="0"/>
-              <a:t>‹Nr.›</a:t>
+              <a:t>‹#›</a:t>
             </a:fld>
             <a:endParaRPr lang="de-CH"/>
           </a:p>
@@ -682,7 +687,7 @@
           <a:lstStyle/>
           <a:p>
             <a:r>
-              <a:rPr lang="de-DE" smtClean="0"/>
+              <a:rPr lang="de-DE"/>
               <a:t>Titelmasterformat durch Klicken bearbeiten</a:t>
             </a:r>
             <a:endParaRPr lang="de-CH"/>
@@ -706,35 +711,35 @@
           <a:p>
             <a:pPr lvl="0"/>
             <a:r>
-              <a:rPr lang="de-DE" smtClean="0"/>
+              <a:rPr lang="de-DE"/>
               <a:t>Formatvorlagen des Textmasters bearbeiten</a:t>
             </a:r>
           </a:p>
           <a:p>
             <a:pPr lvl="1"/>
             <a:r>
-              <a:rPr lang="de-DE" smtClean="0"/>
+              <a:rPr lang="de-DE"/>
               <a:t>Zweite Ebene</a:t>
             </a:r>
           </a:p>
           <a:p>
             <a:pPr lvl="2"/>
             <a:r>
-              <a:rPr lang="de-DE" smtClean="0"/>
+              <a:rPr lang="de-DE"/>
               <a:t>Dritte Ebene</a:t>
             </a:r>
           </a:p>
           <a:p>
             <a:pPr lvl="3"/>
             <a:r>
-              <a:rPr lang="de-DE" smtClean="0"/>
+              <a:rPr lang="de-DE"/>
               <a:t>Vierte Ebene</a:t>
             </a:r>
           </a:p>
           <a:p>
             <a:pPr lvl="4"/>
             <a:r>
-              <a:rPr lang="de-DE" smtClean="0"/>
+              <a:rPr lang="de-DE"/>
               <a:t>Fünfte Ebene</a:t>
             </a:r>
             <a:endParaRPr lang="de-CH"/>
@@ -758,7 +763,7 @@
           <a:p>
             <a:fld id="{51B033A0-1401-45FD-AC04-7D5CC2A775CB}" type="datetimeFigureOut">
               <a:rPr lang="de-CH" smtClean="0"/>
-              <a:t>27.06.2019</a:t>
+              <a:t>06.12.19</a:t>
             </a:fld>
             <a:endParaRPr lang="de-CH"/>
           </a:p>
@@ -800,7 +805,7 @@
           <a:p>
             <a:fld id="{8F2836DC-61F1-4519-9993-D14B20830FDD}" type="slidenum">
               <a:rPr lang="de-CH" smtClean="0"/>
-              <a:t>‹Nr.›</a:t>
+              <a:t>‹#›</a:t>
             </a:fld>
             <a:endParaRPr lang="de-CH"/>
           </a:p>
@@ -861,7 +866,7 @@
           </a:lstStyle>
           <a:p>
             <a:r>
-              <a:rPr lang="de-DE" smtClean="0"/>
+              <a:rPr lang="de-DE"/>
               <a:t>Titelmasterformat durch Klicken bearbeiten</a:t>
             </a:r>
             <a:endParaRPr lang="de-CH"/>
@@ -981,7 +986,7 @@
           <a:p>
             <a:pPr lvl="0"/>
             <a:r>
-              <a:rPr lang="de-DE" smtClean="0"/>
+              <a:rPr lang="de-DE"/>
               <a:t>Formatvorlagen des Textmasters bearbeiten</a:t>
             </a:r>
           </a:p>
@@ -1004,7 +1009,7 @@
           <a:p>
             <a:fld id="{51B033A0-1401-45FD-AC04-7D5CC2A775CB}" type="datetimeFigureOut">
               <a:rPr lang="de-CH" smtClean="0"/>
-              <a:t>27.06.2019</a:t>
+              <a:t>06.12.19</a:t>
             </a:fld>
             <a:endParaRPr lang="de-CH"/>
           </a:p>
@@ -1046,7 +1051,7 @@
           <a:p>
             <a:fld id="{8F2836DC-61F1-4519-9993-D14B20830FDD}" type="slidenum">
               <a:rPr lang="de-CH" smtClean="0"/>
-              <a:t>‹Nr.›</a:t>
+              <a:t>‹#›</a:t>
             </a:fld>
             <a:endParaRPr lang="de-CH"/>
           </a:p>
@@ -1098,7 +1103,7 @@
           <a:lstStyle/>
           <a:p>
             <a:r>
-              <a:rPr lang="de-DE" smtClean="0"/>
+              <a:rPr lang="de-DE"/>
               <a:t>Titelmasterformat durch Klicken bearbeiten</a:t>
             </a:r>
             <a:endParaRPr lang="de-CH"/>
@@ -1127,35 +1132,35 @@
           <a:p>
             <a:pPr lvl="0"/>
             <a:r>
-              <a:rPr lang="de-DE" smtClean="0"/>
+              <a:rPr lang="de-DE"/>
               <a:t>Formatvorlagen des Textmasters bearbeiten</a:t>
             </a:r>
           </a:p>
           <a:p>
             <a:pPr lvl="1"/>
             <a:r>
-              <a:rPr lang="de-DE" smtClean="0"/>
+              <a:rPr lang="de-DE"/>
               <a:t>Zweite Ebene</a:t>
             </a:r>
           </a:p>
           <a:p>
             <a:pPr lvl="2"/>
             <a:r>
-              <a:rPr lang="de-DE" smtClean="0"/>
+              <a:rPr lang="de-DE"/>
               <a:t>Dritte Ebene</a:t>
             </a:r>
           </a:p>
           <a:p>
             <a:pPr lvl="3"/>
             <a:r>
-              <a:rPr lang="de-DE" smtClean="0"/>
+              <a:rPr lang="de-DE"/>
               <a:t>Vierte Ebene</a:t>
             </a:r>
           </a:p>
           <a:p>
             <a:pPr lvl="4"/>
             <a:r>
-              <a:rPr lang="de-DE" smtClean="0"/>
+              <a:rPr lang="de-DE"/>
               <a:t>Fünfte Ebene</a:t>
             </a:r>
             <a:endParaRPr lang="de-CH"/>
@@ -1184,35 +1189,35 @@
           <a:p>
             <a:pPr lvl="0"/>
             <a:r>
-              <a:rPr lang="de-DE" smtClean="0"/>
+              <a:rPr lang="de-DE"/>
               <a:t>Formatvorlagen des Textmasters bearbeiten</a:t>
             </a:r>
           </a:p>
           <a:p>
             <a:pPr lvl="1"/>
             <a:r>
-              <a:rPr lang="de-DE" smtClean="0"/>
+              <a:rPr lang="de-DE"/>
               <a:t>Zweite Ebene</a:t>
             </a:r>
           </a:p>
           <a:p>
             <a:pPr lvl="2"/>
             <a:r>
-              <a:rPr lang="de-DE" smtClean="0"/>
+              <a:rPr lang="de-DE"/>
               <a:t>Dritte Ebene</a:t>
             </a:r>
           </a:p>
           <a:p>
             <a:pPr lvl="3"/>
             <a:r>
-              <a:rPr lang="de-DE" smtClean="0"/>
+              <a:rPr lang="de-DE"/>
               <a:t>Vierte Ebene</a:t>
             </a:r>
           </a:p>
           <a:p>
             <a:pPr lvl="4"/>
             <a:r>
-              <a:rPr lang="de-DE" smtClean="0"/>
+              <a:rPr lang="de-DE"/>
               <a:t>Fünfte Ebene</a:t>
             </a:r>
             <a:endParaRPr lang="de-CH"/>
@@ -1236,7 +1241,7 @@
           <a:p>
             <a:fld id="{51B033A0-1401-45FD-AC04-7D5CC2A775CB}" type="datetimeFigureOut">
               <a:rPr lang="de-CH" smtClean="0"/>
-              <a:t>27.06.2019</a:t>
+              <a:t>06.12.19</a:t>
             </a:fld>
             <a:endParaRPr lang="de-CH"/>
           </a:p>
@@ -1278,7 +1283,7 @@
           <a:p>
             <a:fld id="{8F2836DC-61F1-4519-9993-D14B20830FDD}" type="slidenum">
               <a:rPr lang="de-CH" smtClean="0"/>
-              <a:t>‹Nr.›</a:t>
+              <a:t>‹#›</a:t>
             </a:fld>
             <a:endParaRPr lang="de-CH"/>
           </a:p>
@@ -1335,7 +1340,7 @@
           <a:lstStyle/>
           <a:p>
             <a:r>
-              <a:rPr lang="de-DE" smtClean="0"/>
+              <a:rPr lang="de-DE"/>
               <a:t>Titelmasterformat durch Klicken bearbeiten</a:t>
             </a:r>
             <a:endParaRPr lang="de-CH"/>
@@ -1401,7 +1406,7 @@
           <a:p>
             <a:pPr lvl="0"/>
             <a:r>
-              <a:rPr lang="de-DE" smtClean="0"/>
+              <a:rPr lang="de-DE"/>
               <a:t>Formatvorlagen des Textmasters bearbeiten</a:t>
             </a:r>
           </a:p>
@@ -1429,35 +1434,35 @@
           <a:p>
             <a:pPr lvl="0"/>
             <a:r>
-              <a:rPr lang="de-DE" smtClean="0"/>
+              <a:rPr lang="de-DE"/>
               <a:t>Formatvorlagen des Textmasters bearbeiten</a:t>
             </a:r>
           </a:p>
           <a:p>
             <a:pPr lvl="1"/>
             <a:r>
-              <a:rPr lang="de-DE" smtClean="0"/>
+              <a:rPr lang="de-DE"/>
               <a:t>Zweite Ebene</a:t>
             </a:r>
           </a:p>
           <a:p>
             <a:pPr lvl="2"/>
             <a:r>
-              <a:rPr lang="de-DE" smtClean="0"/>
+              <a:rPr lang="de-DE"/>
               <a:t>Dritte Ebene</a:t>
             </a:r>
           </a:p>
           <a:p>
             <a:pPr lvl="3"/>
             <a:r>
-              <a:rPr lang="de-DE" smtClean="0"/>
+              <a:rPr lang="de-DE"/>
               <a:t>Vierte Ebene</a:t>
             </a:r>
           </a:p>
           <a:p>
             <a:pPr lvl="4"/>
             <a:r>
-              <a:rPr lang="de-DE" smtClean="0"/>
+              <a:rPr lang="de-DE"/>
               <a:t>Fünfte Ebene</a:t>
             </a:r>
             <a:endParaRPr lang="de-CH"/>
@@ -1523,7 +1528,7 @@
           <a:p>
             <a:pPr lvl="0"/>
             <a:r>
-              <a:rPr lang="de-DE" smtClean="0"/>
+              <a:rPr lang="de-DE"/>
               <a:t>Formatvorlagen des Textmasters bearbeiten</a:t>
             </a:r>
           </a:p>
@@ -1551,35 +1556,35 @@
           <a:p>
             <a:pPr lvl="0"/>
             <a:r>
-              <a:rPr lang="de-DE" smtClean="0"/>
+              <a:rPr lang="de-DE"/>
               <a:t>Formatvorlagen des Textmasters bearbeiten</a:t>
             </a:r>
           </a:p>
           <a:p>
             <a:pPr lvl="1"/>
             <a:r>
-              <a:rPr lang="de-DE" smtClean="0"/>
+              <a:rPr lang="de-DE"/>
               <a:t>Zweite Ebene</a:t>
             </a:r>
           </a:p>
           <a:p>
             <a:pPr lvl="2"/>
             <a:r>
-              <a:rPr lang="de-DE" smtClean="0"/>
+              <a:rPr lang="de-DE"/>
               <a:t>Dritte Ebene</a:t>
             </a:r>
           </a:p>
           <a:p>
             <a:pPr lvl="3"/>
             <a:r>
-              <a:rPr lang="de-DE" smtClean="0"/>
+              <a:rPr lang="de-DE"/>
               <a:t>Vierte Ebene</a:t>
             </a:r>
           </a:p>
           <a:p>
             <a:pPr lvl="4"/>
             <a:r>
-              <a:rPr lang="de-DE" smtClean="0"/>
+              <a:rPr lang="de-DE"/>
               <a:t>Fünfte Ebene</a:t>
             </a:r>
             <a:endParaRPr lang="de-CH"/>
@@ -1603,7 +1608,7 @@
           <a:p>
             <a:fld id="{51B033A0-1401-45FD-AC04-7D5CC2A775CB}" type="datetimeFigureOut">
               <a:rPr lang="de-CH" smtClean="0"/>
-              <a:t>27.06.2019</a:t>
+              <a:t>06.12.19</a:t>
             </a:fld>
             <a:endParaRPr lang="de-CH"/>
           </a:p>
@@ -1645,7 +1650,7 @@
           <a:p>
             <a:fld id="{8F2836DC-61F1-4519-9993-D14B20830FDD}" type="slidenum">
               <a:rPr lang="de-CH" smtClean="0"/>
-              <a:t>‹Nr.›</a:t>
+              <a:t>‹#›</a:t>
             </a:fld>
             <a:endParaRPr lang="de-CH"/>
           </a:p>
@@ -1697,7 +1702,7 @@
           <a:lstStyle/>
           <a:p>
             <a:r>
-              <a:rPr lang="de-DE" smtClean="0"/>
+              <a:rPr lang="de-DE"/>
               <a:t>Titelmasterformat durch Klicken bearbeiten</a:t>
             </a:r>
             <a:endParaRPr lang="de-CH"/>
@@ -1721,7 +1726,7 @@
           <a:p>
             <a:fld id="{51B033A0-1401-45FD-AC04-7D5CC2A775CB}" type="datetimeFigureOut">
               <a:rPr lang="de-CH" smtClean="0"/>
-              <a:t>27.06.2019</a:t>
+              <a:t>06.12.19</a:t>
             </a:fld>
             <a:endParaRPr lang="de-CH"/>
           </a:p>
@@ -1763,7 +1768,7 @@
           <a:p>
             <a:fld id="{8F2836DC-61F1-4519-9993-D14B20830FDD}" type="slidenum">
               <a:rPr lang="de-CH" smtClean="0"/>
-              <a:t>‹Nr.›</a:t>
+              <a:t>‹#›</a:t>
             </a:fld>
             <a:endParaRPr lang="de-CH"/>
           </a:p>
@@ -1816,7 +1821,7 @@
           <a:p>
             <a:fld id="{51B033A0-1401-45FD-AC04-7D5CC2A775CB}" type="datetimeFigureOut">
               <a:rPr lang="de-CH" smtClean="0"/>
-              <a:t>27.06.2019</a:t>
+              <a:t>06.12.19</a:t>
             </a:fld>
             <a:endParaRPr lang="de-CH"/>
           </a:p>
@@ -1858,7 +1863,7 @@
           <a:p>
             <a:fld id="{8F2836DC-61F1-4519-9993-D14B20830FDD}" type="slidenum">
               <a:rPr lang="de-CH" smtClean="0"/>
-              <a:t>‹Nr.›</a:t>
+              <a:t>‹#›</a:t>
             </a:fld>
             <a:endParaRPr lang="de-CH"/>
           </a:p>
@@ -1919,7 +1924,7 @@
           </a:lstStyle>
           <a:p>
             <a:r>
-              <a:rPr lang="de-DE" smtClean="0"/>
+              <a:rPr lang="de-DE"/>
               <a:t>Titelmasterformat durch Klicken bearbeiten</a:t>
             </a:r>
             <a:endParaRPr lang="de-CH"/>
@@ -1976,35 +1981,35 @@
           <a:p>
             <a:pPr lvl="0"/>
             <a:r>
-              <a:rPr lang="de-DE" smtClean="0"/>
+              <a:rPr lang="de-DE"/>
               <a:t>Formatvorlagen des Textmasters bearbeiten</a:t>
             </a:r>
           </a:p>
           <a:p>
             <a:pPr lvl="1"/>
             <a:r>
-              <a:rPr lang="de-DE" smtClean="0"/>
+              <a:rPr lang="de-DE"/>
               <a:t>Zweite Ebene</a:t>
             </a:r>
           </a:p>
           <a:p>
             <a:pPr lvl="2"/>
             <a:r>
-              <a:rPr lang="de-DE" smtClean="0"/>
+              <a:rPr lang="de-DE"/>
               <a:t>Dritte Ebene</a:t>
             </a:r>
           </a:p>
           <a:p>
             <a:pPr lvl="3"/>
             <a:r>
-              <a:rPr lang="de-DE" smtClean="0"/>
+              <a:rPr lang="de-DE"/>
               <a:t>Vierte Ebene</a:t>
             </a:r>
           </a:p>
           <a:p>
             <a:pPr lvl="4"/>
             <a:r>
-              <a:rPr lang="de-DE" smtClean="0"/>
+              <a:rPr lang="de-DE"/>
               <a:t>Fünfte Ebene</a:t>
             </a:r>
             <a:endParaRPr lang="de-CH"/>
@@ -2070,7 +2075,7 @@
           <a:p>
             <a:pPr lvl="0"/>
             <a:r>
-              <a:rPr lang="de-DE" smtClean="0"/>
+              <a:rPr lang="de-DE"/>
               <a:t>Formatvorlagen des Textmasters bearbeiten</a:t>
             </a:r>
           </a:p>
@@ -2093,7 +2098,7 @@
           <a:p>
             <a:fld id="{51B033A0-1401-45FD-AC04-7D5CC2A775CB}" type="datetimeFigureOut">
               <a:rPr lang="de-CH" smtClean="0"/>
-              <a:t>27.06.2019</a:t>
+              <a:t>06.12.19</a:t>
             </a:fld>
             <a:endParaRPr lang="de-CH"/>
           </a:p>
@@ -2135,7 +2140,7 @@
           <a:p>
             <a:fld id="{8F2836DC-61F1-4519-9993-D14B20830FDD}" type="slidenum">
               <a:rPr lang="de-CH" smtClean="0"/>
-              <a:t>‹Nr.›</a:t>
+              <a:t>‹#›</a:t>
             </a:fld>
             <a:endParaRPr lang="de-CH"/>
           </a:p>
@@ -2196,7 +2201,7 @@
           </a:lstStyle>
           <a:p>
             <a:r>
-              <a:rPr lang="de-DE" smtClean="0"/>
+              <a:rPr lang="de-DE"/>
               <a:t>Titelmasterformat durch Klicken bearbeiten</a:t>
             </a:r>
             <a:endParaRPr lang="de-CH"/>
@@ -2323,7 +2328,7 @@
           <a:p>
             <a:pPr lvl="0"/>
             <a:r>
-              <a:rPr lang="de-DE" smtClean="0"/>
+              <a:rPr lang="de-DE"/>
               <a:t>Formatvorlagen des Textmasters bearbeiten</a:t>
             </a:r>
           </a:p>
@@ -2346,7 +2351,7 @@
           <a:p>
             <a:fld id="{51B033A0-1401-45FD-AC04-7D5CC2A775CB}" type="datetimeFigureOut">
               <a:rPr lang="de-CH" smtClean="0"/>
-              <a:t>27.06.2019</a:t>
+              <a:t>06.12.19</a:t>
             </a:fld>
             <a:endParaRPr lang="de-CH"/>
           </a:p>
@@ -2388,7 +2393,7 @@
           <a:p>
             <a:fld id="{8F2836DC-61F1-4519-9993-D14B20830FDD}" type="slidenum">
               <a:rPr lang="de-CH" smtClean="0"/>
-              <a:t>‹Nr.›</a:t>
+              <a:t>‹#›</a:t>
             </a:fld>
             <a:endParaRPr lang="de-CH"/>
           </a:p>
@@ -2455,7 +2460,7 @@
           <a:lstStyle/>
           <a:p>
             <a:r>
-              <a:rPr lang="de-DE" smtClean="0"/>
+              <a:rPr lang="de-DE"/>
               <a:t>Titelmasterformat durch Klicken bearbeiten</a:t>
             </a:r>
             <a:endParaRPr lang="de-CH"/>
@@ -2489,35 +2494,35 @@
           <a:p>
             <a:pPr lvl="0"/>
             <a:r>
-              <a:rPr lang="de-DE" smtClean="0"/>
+              <a:rPr lang="de-DE"/>
               <a:t>Formatvorlagen des Textmasters bearbeiten</a:t>
             </a:r>
           </a:p>
           <a:p>
             <a:pPr lvl="1"/>
             <a:r>
-              <a:rPr lang="de-DE" smtClean="0"/>
+              <a:rPr lang="de-DE"/>
               <a:t>Zweite Ebene</a:t>
             </a:r>
           </a:p>
           <a:p>
             <a:pPr lvl="2"/>
             <a:r>
-              <a:rPr lang="de-DE" smtClean="0"/>
+              <a:rPr lang="de-DE"/>
               <a:t>Dritte Ebene</a:t>
             </a:r>
           </a:p>
           <a:p>
             <a:pPr lvl="3"/>
             <a:r>
-              <a:rPr lang="de-DE" smtClean="0"/>
+              <a:rPr lang="de-DE"/>
               <a:t>Vierte Ebene</a:t>
             </a:r>
           </a:p>
           <a:p>
             <a:pPr lvl="4"/>
             <a:r>
-              <a:rPr lang="de-DE" smtClean="0"/>
+              <a:rPr lang="de-DE"/>
               <a:t>Fünfte Ebene</a:t>
             </a:r>
             <a:endParaRPr lang="de-CH"/>
@@ -2559,7 +2564,7 @@
           <a:p>
             <a:fld id="{51B033A0-1401-45FD-AC04-7D5CC2A775CB}" type="datetimeFigureOut">
               <a:rPr lang="de-CH" smtClean="0"/>
-              <a:t>27.06.2019</a:t>
+              <a:t>06.12.19</a:t>
             </a:fld>
             <a:endParaRPr lang="de-CH"/>
           </a:p>
@@ -2637,7 +2642,7 @@
           <a:p>
             <a:fld id="{8F2836DC-61F1-4519-9993-D14B20830FDD}" type="slidenum">
               <a:rPr lang="de-CH" smtClean="0"/>
-              <a:t>‹Nr.›</a:t>
+              <a:t>‹#›</a:t>
             </a:fld>
             <a:endParaRPr lang="de-CH"/>
           </a:p>
@@ -2987,7 +2992,7 @@
           <a:lstStyle/>
           <a:p>
             <a:r>
-              <a:rPr lang="en-US" dirty="0" smtClean="0"/>
+              <a:rPr lang="en-US" dirty="0"/>
               <a:t>BROOKS mass flow readout</a:t>
             </a:r>
             <a:endParaRPr lang="de-CH" dirty="0"/>
@@ -3017,7 +3022,7 @@
           <a:lstStyle/>
           <a:p>
             <a:r>
-              <a:rPr lang="en-US" sz="1050" dirty="0" smtClean="0"/>
+              <a:rPr lang="en-US" sz="1050" dirty="0"/>
               <a:t>BROOKS</a:t>
             </a:r>
             <a:endParaRPr lang="de-CH" sz="1050" dirty="0"/>
@@ -3091,7 +3096,7 @@
           <a:lstStyle/>
           <a:p>
             <a:r>
-              <a:rPr lang="en-US" sz="1050" dirty="0" smtClean="0"/>
+              <a:rPr lang="en-US" sz="1050" dirty="0"/>
               <a:t>Arduino</a:t>
             </a:r>
             <a:endParaRPr lang="de-CH" sz="1050" dirty="0"/>
@@ -3121,7 +3126,7 @@
           <a:lstStyle/>
           <a:p>
             <a:r>
-              <a:rPr lang="en-US" sz="1050" dirty="0" smtClean="0"/>
+              <a:rPr lang="en-US" sz="1050" dirty="0"/>
               <a:t>Custom cable</a:t>
             </a:r>
             <a:endParaRPr lang="de-CH" sz="1050" dirty="0"/>
@@ -3196,7 +3201,7 @@
           <a:lstStyle/>
           <a:p>
             <a:r>
-              <a:rPr lang="en-US" sz="1050" dirty="0" smtClean="0"/>
+              <a:rPr lang="en-US" sz="1050" dirty="0"/>
               <a:t>Twofast-rpi3-4</a:t>
             </a:r>
             <a:endParaRPr lang="de-CH" sz="1050" dirty="0"/>
@@ -3226,7 +3231,7 @@
           <a:lstStyle/>
           <a:p>
             <a:r>
-              <a:rPr lang="en-US" sz="1050" dirty="0" smtClean="0"/>
+              <a:rPr lang="en-US" sz="1050" dirty="0"/>
               <a:t>USB Serial</a:t>
             </a:r>
             <a:endParaRPr lang="de-CH" sz="1050" dirty="0"/>
@@ -3269,7 +3274,7 @@
           <a:lstStyle/>
           <a:p>
             <a:r>
-              <a:rPr lang="en-US" sz="1200" dirty="0" smtClean="0"/>
+              <a:rPr lang="en-US" sz="1200" dirty="0"/>
               <a:t>Database (twofast-rpi3-0)</a:t>
             </a:r>
             <a:endParaRPr lang="de-CH" sz="1200" dirty="0"/>
@@ -3299,7 +3304,7 @@
           <a:lstStyle/>
           <a:p>
             <a:r>
-              <a:rPr lang="en-US" sz="1050" dirty="0" smtClean="0"/>
+              <a:rPr lang="en-US" sz="1050" dirty="0"/>
               <a:t>LAN cable to network</a:t>
             </a:r>
             <a:endParaRPr lang="de-CH" sz="1050" dirty="0"/>
@@ -3359,34 +3364,34 @@
           <a:lstStyle/>
           <a:p>
             <a:r>
-              <a:rPr lang="de-CH" sz="1100" dirty="0" smtClean="0"/>
+              <a:rPr lang="de-CH" sz="1100" dirty="0"/>
               <a:t>Table: </a:t>
             </a:r>
             <a:r>
-              <a:rPr lang="de-CH" sz="1100" i="1" dirty="0" err="1" smtClean="0"/>
+              <a:rPr lang="de-CH" sz="1100" i="1" dirty="0" err="1"/>
               <a:t>flow_meter_readout_live</a:t>
             </a:r>
-            <a:endParaRPr lang="de-CH" sz="1100" i="1" dirty="0" smtClean="0"/>
-          </a:p>
-          <a:p>
-            <a:r>
-              <a:rPr lang="de-CH" sz="1100" dirty="0" smtClean="0"/>
+            <a:endParaRPr lang="de-CH" sz="1100" i="1" dirty="0"/>
+          </a:p>
+          <a:p>
+            <a:r>
+              <a:rPr lang="de-CH" sz="1100" dirty="0"/>
               <a:t>Columns: (time, </a:t>
             </a:r>
             <a:r>
-              <a:rPr lang="de-CH" sz="1100" dirty="0" err="1" smtClean="0"/>
+              <a:rPr lang="de-CH" sz="1100" dirty="0" err="1"/>
               <a:t>read_voltage</a:t>
             </a:r>
             <a:r>
-              <a:rPr lang="de-CH" sz="1100" dirty="0" smtClean="0"/>
+              <a:rPr lang="de-CH" sz="1100" dirty="0"/>
               <a:t>, </a:t>
             </a:r>
             <a:r>
-              <a:rPr lang="de-CH" sz="1100" dirty="0" err="1" smtClean="0"/>
+              <a:rPr lang="de-CH" sz="1100" dirty="0" err="1"/>
               <a:t>id</a:t>
             </a:r>
             <a:r>
-              <a:rPr lang="de-CH" sz="1100" dirty="0" smtClean="0"/>
+              <a:rPr lang="de-CH" sz="1100" dirty="0"/>
               <a:t>)</a:t>
             </a:r>
           </a:p>
@@ -3399,81 +3404,73 @@
               <a:buChar char="-"/>
             </a:pPr>
             <a:r>
-              <a:rPr lang="en-US" sz="1100" dirty="0" smtClean="0"/>
+              <a:rPr lang="en-US" sz="1100" dirty="0"/>
               <a:t>Every night at 3 AM the </a:t>
             </a:r>
             <a:r>
-              <a:rPr lang="de-CH" sz="1100" i="1" dirty="0" err="1" smtClean="0"/>
+              <a:rPr lang="de-CH" sz="1100" i="1" dirty="0" err="1"/>
               <a:t>flow_meter_readout_live</a:t>
             </a:r>
             <a:r>
-              <a:rPr lang="de-CH" sz="1100" dirty="0" smtClean="0"/>
+              <a:rPr lang="de-CH" sz="1100" dirty="0"/>
               <a:t> </a:t>
             </a:r>
             <a:r>
-              <a:rPr lang="de-CH" sz="1100" dirty="0" err="1" smtClean="0"/>
+              <a:rPr lang="de-CH" sz="1100" dirty="0" err="1"/>
               <a:t>table</a:t>
             </a:r>
             <a:r>
-              <a:rPr lang="de-CH" sz="1100" dirty="0" smtClean="0"/>
+              <a:rPr lang="de-CH" sz="1100" dirty="0"/>
               <a:t> </a:t>
             </a:r>
             <a:r>
-              <a:rPr lang="de-CH" sz="1100" dirty="0" err="1" smtClean="0"/>
+              <a:rPr lang="de-CH" sz="1100" dirty="0" err="1"/>
               <a:t>is</a:t>
             </a:r>
             <a:r>
-              <a:rPr lang="de-CH" sz="1100" dirty="0" smtClean="0"/>
+              <a:rPr lang="de-CH" sz="1100" dirty="0"/>
               <a:t> </a:t>
             </a:r>
             <a:r>
-              <a:rPr lang="de-CH" sz="1100" dirty="0" err="1" smtClean="0"/>
-              <a:t>appende</a:t>
-            </a:r>
-            <a:r>
-              <a:rPr lang="de-CH" sz="1100" dirty="0" err="1" smtClean="0"/>
-              <a:t>d</a:t>
-            </a:r>
-            <a:r>
-              <a:rPr lang="de-CH" sz="1100" dirty="0" smtClean="0"/>
+              <a:rPr lang="de-CH" sz="1100" dirty="0" err="1"/>
+              <a:t>appended</a:t>
+            </a:r>
+            <a:r>
+              <a:rPr lang="de-CH" sz="1100" dirty="0"/>
               <a:t> </a:t>
             </a:r>
             <a:r>
-              <a:rPr lang="de-CH" sz="1100" dirty="0" err="1" smtClean="0"/>
+              <a:rPr lang="de-CH" sz="1100" dirty="0" err="1"/>
               <a:t>into</a:t>
             </a:r>
             <a:r>
-              <a:rPr lang="de-CH" sz="1100" dirty="0" smtClean="0"/>
+              <a:rPr lang="de-CH" sz="1100" dirty="0"/>
               <a:t> </a:t>
             </a:r>
             <a:r>
-              <a:rPr lang="de-CH" sz="1100" dirty="0" err="1" smtClean="0"/>
+              <a:rPr lang="de-CH" sz="1100" dirty="0" err="1"/>
               <a:t>the</a:t>
             </a:r>
             <a:r>
-              <a:rPr lang="de-CH" sz="1100" dirty="0" smtClean="0"/>
+              <a:rPr lang="de-CH" sz="1100" dirty="0"/>
               <a:t> </a:t>
             </a:r>
             <a:r>
-              <a:rPr lang="de-CH" sz="1100" dirty="0" err="1" smtClean="0"/>
+              <a:rPr lang="de-CH" sz="1100" dirty="0" err="1"/>
               <a:t>table</a:t>
             </a:r>
             <a:r>
-              <a:rPr lang="de-CH" sz="1100" dirty="0" smtClean="0"/>
+              <a:rPr lang="de-CH" sz="1100" dirty="0"/>
               <a:t> </a:t>
             </a:r>
             <a:r>
-              <a:rPr lang="de-CH" sz="1100" i="1" dirty="0" err="1" smtClean="0"/>
+              <a:rPr lang="de-CH" sz="1100" i="1" dirty="0" err="1"/>
               <a:t>flow_meter_readout_storage</a:t>
             </a:r>
-            <a:r>
-              <a:rPr lang="de-CH" sz="1100" i="1" dirty="0" smtClean="0"/>
-              <a:t/>
-            </a:r>
             <a:br>
-              <a:rPr lang="de-CH" sz="1100" i="1" dirty="0" smtClean="0"/>
+              <a:rPr lang="de-CH" sz="1100" i="1" dirty="0"/>
             </a:br>
-            <a:endParaRPr lang="de-CH" sz="1100" i="1" dirty="0" smtClean="0"/>
+            <a:endParaRPr lang="de-CH" sz="1100" i="1" dirty="0"/>
           </a:p>
         </p:txBody>
       </p:sp>
@@ -3486,7 +3483,7 @@
         <p:spPr>
           <a:xfrm>
             <a:off x="7733142" y="2597898"/>
-            <a:ext cx="4043219" cy="1061829"/>
+            <a:ext cx="4043219" cy="1384995"/>
           </a:xfrm>
           <a:prstGeom prst="rect">
             <a:avLst/>
@@ -3504,32 +3501,24 @@
             </a:pPr>
             <a:r>
               <a:rPr lang="en-US" sz="1050" dirty="0"/>
-              <a:t>Readout is started via the script flow_meter_readout_V0.py </a:t>
-            </a:r>
-            <a:r>
-              <a:rPr lang="en-US" sz="1050" dirty="0" smtClean="0"/>
-              <a:t>in ~/Documents/</a:t>
-            </a:r>
-            <a:r>
-              <a:rPr lang="en-US" sz="1050" dirty="0" err="1" smtClean="0"/>
+              <a:t>Readout is started via the script flow_meter_readout_V0.py in ~/Documents/</a:t>
+            </a:r>
+            <a:r>
+              <a:rPr lang="en-US" sz="1050" dirty="0" err="1"/>
               <a:t>dash_NG</a:t>
             </a:r>
             <a:r>
-              <a:rPr lang="en-US" sz="1050" dirty="0" smtClean="0"/>
+              <a:rPr lang="en-US" sz="1050" dirty="0"/>
               <a:t>/</a:t>
             </a:r>
             <a:r>
-              <a:rPr lang="en-US" sz="1050" dirty="0" err="1" smtClean="0"/>
+              <a:rPr lang="en-US" sz="1050" dirty="0" err="1"/>
               <a:t>flow_meter</a:t>
             </a:r>
             <a:r>
-              <a:rPr lang="en-US" sz="1050" dirty="0" smtClean="0"/>
+              <a:rPr lang="en-US" sz="1050" dirty="0"/>
               <a:t>/</a:t>
             </a:r>
-            <a:br>
-              <a:rPr lang="en-US" sz="1050" dirty="0" smtClean="0"/>
-            </a:br>
-            <a:endParaRPr lang="en-US" sz="1050" dirty="0" smtClean="0"/>
           </a:p>
           <a:p>
             <a:pPr marL="171450" indent="-171450">
@@ -3537,31 +3526,65 @@
               <a:buChar char="-"/>
             </a:pPr>
             <a:r>
-              <a:rPr lang="en-US" sz="1050" dirty="0" smtClean="0"/>
+              <a:rPr lang="en-US" sz="1050" dirty="0"/>
+              <a:t>Use the correct </a:t>
+            </a:r>
+            <a:r>
+              <a:rPr lang="en-US" sz="1050" dirty="0" err="1"/>
+              <a:t>conda</a:t>
+            </a:r>
+            <a:r>
+              <a:rPr lang="en-US" sz="1050" dirty="0"/>
+              <a:t> environment by running the .</a:t>
+            </a:r>
+            <a:r>
+              <a:rPr lang="en-US" sz="1050" dirty="0" err="1"/>
+              <a:t>sh</a:t>
+            </a:r>
+            <a:r>
+              <a:rPr lang="en-US" sz="1050" dirty="0"/>
+              <a:t> in /home/pi/Documents/</a:t>
+            </a:r>
+            <a:r>
+              <a:rPr lang="en-US" sz="1050" dirty="0" err="1"/>
+              <a:t>run_flow_meter_readout.sh</a:t>
+            </a:r>
+            <a:br>
+              <a:rPr lang="en-US" sz="1050" dirty="0"/>
+            </a:br>
+            <a:endParaRPr lang="en-US" sz="1050" dirty="0"/>
+          </a:p>
+          <a:p>
+            <a:pPr marL="171450" indent="-171450">
+              <a:buFontTx/>
+              <a:buChar char="-"/>
+            </a:pPr>
+            <a:r>
+              <a:rPr lang="en-US" sz="1050" dirty="0"/>
               <a:t>Use Start_flow_meter_readout.py in </a:t>
             </a:r>
             <a:r>
-              <a:rPr lang="en-US" sz="1050" dirty="0" err="1" smtClean="0"/>
+              <a:rPr lang="en-US" sz="1050" dirty="0" err="1"/>
               <a:t>LTH_Neutimag</a:t>
             </a:r>
             <a:r>
-              <a:rPr lang="en-US" sz="1050" dirty="0" smtClean="0"/>
+              <a:rPr lang="en-US" sz="1050" dirty="0"/>
               <a:t>\</a:t>
             </a:r>
             <a:r>
-              <a:rPr lang="en-US" sz="1050" dirty="0" err="1" smtClean="0"/>
+              <a:rPr lang="en-US" sz="1050" dirty="0" err="1"/>
               <a:t>hkromer</a:t>
             </a:r>
             <a:r>
-              <a:rPr lang="en-US" sz="1050" dirty="0" smtClean="0"/>
+              <a:rPr lang="en-US" sz="1050" dirty="0"/>
               <a:t>\17_github\</a:t>
             </a:r>
             <a:r>
-              <a:rPr lang="en-US" sz="1050" dirty="0" err="1" smtClean="0"/>
+              <a:rPr lang="en-US" sz="1050" dirty="0" err="1"/>
               <a:t>phd_python</a:t>
             </a:r>
             <a:r>
-              <a:rPr lang="en-US" sz="1050" dirty="0" smtClean="0"/>
+              <a:rPr lang="en-US" sz="1050" dirty="0"/>
               <a:t>\01_neutron_generator_control to start script via SSH</a:t>
             </a:r>
             <a:endParaRPr lang="de-CH" sz="1050" dirty="0"/>
